--- a/Mini Project.pptx
+++ b/Mini Project.pptx
@@ -6,11 +6,15 @@
   </p:sldMasterIdLst>
   <p:sldIdLst>
     <p:sldId id="256" r:id="rId2"/>
-    <p:sldId id="260" r:id="rId3"/>
-    <p:sldId id="257" r:id="rId4"/>
-    <p:sldId id="258" r:id="rId5"/>
-    <p:sldId id="259" r:id="rId6"/>
-    <p:sldId id="261" r:id="rId7"/>
+    <p:sldId id="257" r:id="rId3"/>
+    <p:sldId id="258" r:id="rId4"/>
+    <p:sldId id="261" r:id="rId5"/>
+    <p:sldId id="263" r:id="rId6"/>
+    <p:sldId id="259" r:id="rId7"/>
+    <p:sldId id="262" r:id="rId8"/>
+    <p:sldId id="265" r:id="rId9"/>
+    <p:sldId id="264" r:id="rId10"/>
+    <p:sldId id="266" r:id="rId11"/>
   </p:sldIdLst>
   <p:sldSz cx="12192000" cy="6858000"/>
   <p:notesSz cx="6858000" cy="9144000"/>
@@ -109,6 +113,11 @@
       </a:defRPr>
     </a:lvl9pPr>
   </p:defaultTextStyle>
+  <p:extLst>
+    <p:ext uri="{EFAFB233-063F-42B5-8137-9DF3F51BA10A}">
+      <p15:sldGuideLst xmlns:p15="http://schemas.microsoft.com/office/powerpoint/2012/main"/>
+    </p:ext>
+  </p:extLst>
 </p:presentation>
 </file>
 
@@ -858,7 +867,7 @@
             <a:fld id="{B61BEF0D-F0BB-DE4B-95CE-6DB70DBA9567}" type="datetimeFigureOut">
               <a:rPr lang="en-US" dirty="0"/>
               <a:pPr/>
-              <a:t>2/22/2023</a:t>
+              <a:t>5/26/2023</a:t>
             </a:fld>
             <a:endParaRPr lang="en-US" dirty="0"/>
           </a:p>
@@ -1106,7 +1115,7 @@
             <a:fld id="{B61BEF0D-F0BB-DE4B-95CE-6DB70DBA9567}" type="datetimeFigureOut">
               <a:rPr lang="en-US" dirty="0"/>
               <a:pPr/>
-              <a:t>2/22/2023</a:t>
+              <a:t>5/26/2023</a:t>
             </a:fld>
             <a:endParaRPr lang="en-US" dirty="0"/>
           </a:p>
@@ -1417,7 +1426,7 @@
             <a:fld id="{B61BEF0D-F0BB-DE4B-95CE-6DB70DBA9567}" type="datetimeFigureOut">
               <a:rPr lang="en-US" dirty="0"/>
               <a:pPr/>
-              <a:t>2/22/2023</a:t>
+              <a:t>5/26/2023</a:t>
             </a:fld>
             <a:endParaRPr lang="en-US" dirty="0"/>
           </a:p>
@@ -1747,7 +1756,7 @@
             <a:fld id="{B61BEF0D-F0BB-DE4B-95CE-6DB70DBA9567}" type="datetimeFigureOut">
               <a:rPr lang="en-US" dirty="0"/>
               <a:pPr/>
-              <a:t>2/22/2023</a:t>
+              <a:t>5/26/2023</a:t>
             </a:fld>
             <a:endParaRPr lang="en-US" dirty="0"/>
           </a:p>
@@ -2058,7 +2067,7 @@
             <a:fld id="{B61BEF0D-F0BB-DE4B-95CE-6DB70DBA9567}" type="datetimeFigureOut">
               <a:rPr lang="en-US" dirty="0"/>
               <a:pPr/>
-              <a:t>2/22/2023</a:t>
+              <a:t>5/26/2023</a:t>
             </a:fld>
             <a:endParaRPr lang="en-US" dirty="0"/>
           </a:p>
@@ -2448,7 +2457,7 @@
             <a:fld id="{B61BEF0D-F0BB-DE4B-95CE-6DB70DBA9567}" type="datetimeFigureOut">
               <a:rPr lang="en-US" dirty="0"/>
               <a:pPr/>
-              <a:t>2/22/2023</a:t>
+              <a:t>5/26/2023</a:t>
             </a:fld>
             <a:endParaRPr lang="en-US" dirty="0"/>
           </a:p>
@@ -2614,7 +2623,7 @@
           <a:p>
             <a:fld id="{55C6B4A9-1611-4792-9094-5F34BCA07E0B}" type="datetimeFigureOut">
               <a:rPr lang="en-US" dirty="0"/>
-              <a:t>2/22/2023</a:t>
+              <a:t>5/26/2023</a:t>
             </a:fld>
             <a:endParaRPr lang="en-US" dirty="0"/>
           </a:p>
@@ -2790,7 +2799,7 @@
             <a:fld id="{B61BEF0D-F0BB-DE4B-95CE-6DB70DBA9567}" type="datetimeFigureOut">
               <a:rPr lang="en-US" dirty="0"/>
               <a:pPr/>
-              <a:t>2/22/2023</a:t>
+              <a:t>5/26/2023</a:t>
             </a:fld>
             <a:endParaRPr lang="en-US" dirty="0"/>
           </a:p>
@@ -2956,7 +2965,7 @@
           <a:p>
             <a:fld id="{42A54C80-263E-416B-A8E0-580EDEADCBDC}" type="datetimeFigureOut">
               <a:rPr lang="en-US" dirty="0"/>
-              <a:t>2/22/2023</a:t>
+              <a:t>5/26/2023</a:t>
             </a:fld>
             <a:endParaRPr lang="en-US" dirty="0"/>
           </a:p>
@@ -3199,7 +3208,7 @@
             <a:fld id="{B61BEF0D-F0BB-DE4B-95CE-6DB70DBA9567}" type="datetimeFigureOut">
               <a:rPr lang="en-US" dirty="0"/>
               <a:pPr/>
-              <a:t>2/22/2023</a:t>
+              <a:t>5/26/2023</a:t>
             </a:fld>
             <a:endParaRPr lang="en-US" dirty="0"/>
           </a:p>
@@ -3427,7 +3436,7 @@
           <a:p>
             <a:fld id="{42A54C80-263E-416B-A8E0-580EDEADCBDC}" type="datetimeFigureOut">
               <a:rPr lang="en-US" dirty="0"/>
-              <a:t>2/22/2023</a:t>
+              <a:t>5/26/2023</a:t>
             </a:fld>
             <a:endParaRPr lang="en-US" dirty="0"/>
           </a:p>
@@ -3797,7 +3806,7 @@
             <a:fld id="{B61BEF0D-F0BB-DE4B-95CE-6DB70DBA9567}" type="datetimeFigureOut">
               <a:rPr lang="en-US" dirty="0"/>
               <a:pPr/>
-              <a:t>2/22/2023</a:t>
+              <a:t>5/26/2023</a:t>
             </a:fld>
             <a:endParaRPr lang="en-US" dirty="0"/>
           </a:p>
@@ -3917,7 +3926,7 @@
             <a:fld id="{B61BEF0D-F0BB-DE4B-95CE-6DB70DBA9567}" type="datetimeFigureOut">
               <a:rPr lang="en-US" dirty="0"/>
               <a:pPr/>
-              <a:t>2/22/2023</a:t>
+              <a:t>5/26/2023</a:t>
             </a:fld>
             <a:endParaRPr lang="en-US" dirty="0"/>
           </a:p>
@@ -4009,7 +4018,7 @@
             <a:fld id="{B61BEF0D-F0BB-DE4B-95CE-6DB70DBA9567}" type="datetimeFigureOut">
               <a:rPr lang="en-US" dirty="0"/>
               <a:pPr/>
-              <a:t>2/22/2023</a:t>
+              <a:t>5/26/2023</a:t>
             </a:fld>
             <a:endParaRPr lang="en-US" dirty="0"/>
           </a:p>
@@ -4260,7 +4269,7 @@
           <a:p>
             <a:fld id="{42A54C80-263E-416B-A8E0-580EDEADCBDC}" type="datetimeFigureOut">
               <a:rPr lang="en-US" dirty="0"/>
-              <a:t>2/22/2023</a:t>
+              <a:t>5/26/2023</a:t>
             </a:fld>
             <a:endParaRPr lang="en-US" dirty="0"/>
           </a:p>
@@ -4562,7 +4571,7 @@
             <a:fld id="{B61BEF0D-F0BB-DE4B-95CE-6DB70DBA9567}" type="datetimeFigureOut">
               <a:rPr lang="en-US" dirty="0"/>
               <a:pPr/>
-              <a:t>2/22/2023</a:t>
+              <a:t>5/26/2023</a:t>
             </a:fld>
             <a:endParaRPr lang="en-US" dirty="0"/>
           </a:p>
@@ -5260,7 +5269,7 @@
             <a:fld id="{B61BEF0D-F0BB-DE4B-95CE-6DB70DBA9567}" type="datetimeFigureOut">
               <a:rPr lang="en-US" dirty="0"/>
               <a:pPr/>
-              <a:t>2/22/2023</a:t>
+              <a:t>5/26/2023</a:t>
             </a:fld>
             <a:endParaRPr lang="en-US" dirty="0"/>
           </a:p>
@@ -5798,28 +5807,29 @@
         </p:nvSpPr>
         <p:spPr>
           <a:xfrm>
-            <a:off x="-680484" y="1477924"/>
-            <a:ext cx="9858794" cy="3072641"/>
+            <a:off x="404037" y="313660"/>
+            <a:ext cx="9484241" cy="4035055"/>
           </a:xfrm>
         </p:spPr>
         <p:txBody>
           <a:bodyPr/>
           <a:lstStyle/>
           <a:p>
-            <a:r>
-              <a:rPr lang="en-US" sz="11500" b="1" dirty="0">
-                <a:solidFill>
-                  <a:schemeClr val="accent1">
-                    <a:lumMod val="50000"/>
+            <a:pPr algn="ctr"/>
+            <a:r>
+              <a:rPr lang="en-US" sz="4000" b="1" dirty="0">
+                <a:solidFill>
+                  <a:schemeClr val="tx2">
+                    <a:lumMod val="75000"/>
                   </a:schemeClr>
                 </a:solidFill>
               </a:rPr>
-              <a:t>Mini Project</a:t>
+              <a:t>A WEB PLATFORM FOR ANALYZING AND SOLVING THE PROBLEMS IN THE SOCIETY</a:t>
             </a:r>
             <a:endParaRPr lang="en-AE" sz="11500" b="1" dirty="0">
               <a:solidFill>
-                <a:schemeClr val="accent1">
-                  <a:lumMod val="50000"/>
+                <a:schemeClr val="tx2">
+                  <a:lumMod val="75000"/>
                 </a:schemeClr>
               </a:solidFill>
             </a:endParaRPr>
@@ -5830,6 +5840,70 @@
     <p:extLst>
       <p:ext uri="{BB962C8B-B14F-4D97-AF65-F5344CB8AC3E}">
         <p14:creationId xmlns:p14="http://schemas.microsoft.com/office/powerpoint/2010/main" val="277355327"/>
+      </p:ext>
+    </p:extLst>
+  </p:cSld>
+  <p:clrMapOvr>
+    <a:masterClrMapping/>
+  </p:clrMapOvr>
+</p:sld>
+</file>
+
+<file path=ppt/slides/slide10.xml><?xml version="1.0" encoding="utf-8"?>
+<p:sld xmlns:a="http://schemas.openxmlformats.org/drawingml/2006/main" xmlns:r="http://schemas.openxmlformats.org/officeDocument/2006/relationships" xmlns:p="http://schemas.openxmlformats.org/presentationml/2006/main">
+  <p:cSld>
+    <p:spTree>
+      <p:nvGrpSpPr>
+        <p:cNvPr id="1" name=""/>
+        <p:cNvGrpSpPr/>
+        <p:nvPr/>
+      </p:nvGrpSpPr>
+      <p:grpSpPr>
+        <a:xfrm>
+          <a:off x="0" y="0"/>
+          <a:ext cx="0" cy="0"/>
+          <a:chOff x="0" y="0"/>
+          <a:chExt cx="0" cy="0"/>
+        </a:xfrm>
+      </p:grpSpPr>
+      <p:sp>
+        <p:nvSpPr>
+          <p:cNvPr id="2" name="Title 1">
+            <a:extLst>
+              <a:ext uri="{FF2B5EF4-FFF2-40B4-BE49-F238E27FC236}">
+                <a16:creationId xmlns:a16="http://schemas.microsoft.com/office/drawing/2014/main" id="{BF586F1D-7E27-440D-940F-D6DBD116FB1E}"/>
+              </a:ext>
+            </a:extLst>
+          </p:cNvPr>
+          <p:cNvSpPr>
+            <a:spLocks noGrp="1"/>
+          </p:cNvSpPr>
+          <p:nvPr>
+            <p:ph type="title"/>
+          </p:nvPr>
+        </p:nvSpPr>
+        <p:spPr>
+          <a:xfrm>
+            <a:off x="932515" y="2768600"/>
+            <a:ext cx="8596668" cy="1320800"/>
+          </a:xfrm>
+        </p:spPr>
+        <p:txBody>
+          <a:bodyPr/>
+          <a:lstStyle/>
+          <a:p>
+            <a:r>
+              <a:rPr lang="en-US" dirty="0"/>
+              <a:t>Thank you</a:t>
+            </a:r>
+            <a:endParaRPr lang="en-AE" dirty="0"/>
+          </a:p>
+        </p:txBody>
+      </p:sp>
+    </p:spTree>
+    <p:extLst>
+      <p:ext uri="{BB962C8B-B14F-4D97-AF65-F5344CB8AC3E}">
+        <p14:creationId xmlns:p14="http://schemas.microsoft.com/office/powerpoint/2010/main" val="274276293"/>
       </p:ext>
     </p:extLst>
   </p:cSld>
@@ -5861,7 +5935,7 @@
           <p:cNvPr id="2" name="Title 1">
             <a:extLst>
               <a:ext uri="{FF2B5EF4-FFF2-40B4-BE49-F238E27FC236}">
-                <a16:creationId xmlns:a16="http://schemas.microsoft.com/office/drawing/2014/main" id="{D8B5F63E-224C-EABD-EA15-5783879042B8}"/>
+                <a16:creationId xmlns:a16="http://schemas.microsoft.com/office/drawing/2014/main" id="{E0611686-4B82-FF86-4FEC-6ABEC2265641}"/>
               </a:ext>
             </a:extLst>
           </p:cNvPr>
@@ -5872,12 +5946,7 @@
             <p:ph type="title"/>
           </p:nvPr>
         </p:nvSpPr>
-        <p:spPr>
-          <a:xfrm>
-            <a:off x="432786" y="2565990"/>
-            <a:ext cx="9795736" cy="4706679"/>
-          </a:xfrm>
-        </p:spPr>
+        <p:spPr/>
         <p:txBody>
           <a:bodyPr>
             <a:normAutofit/>
@@ -5885,16 +5954,16 @@
           <a:lstStyle/>
           <a:p>
             <a:r>
-              <a:rPr lang="en-US" sz="8800" b="1" dirty="0">
+              <a:rPr lang="en-US" sz="6000" b="1" dirty="0">
                 <a:solidFill>
                   <a:schemeClr val="accent1">
                     <a:lumMod val="50000"/>
                   </a:schemeClr>
                 </a:solidFill>
               </a:rPr>
-              <a:t>Problem detector</a:t>
-            </a:r>
-            <a:endParaRPr lang="en-AE" sz="8800" b="1" dirty="0">
+              <a:t>Team Members</a:t>
+            </a:r>
+            <a:endParaRPr lang="en-AE" sz="6000" b="1" dirty="0">
               <a:solidFill>
                 <a:schemeClr val="accent1">
                   <a:lumMod val="50000"/>
@@ -5904,10 +5973,203 @@
           </a:p>
         </p:txBody>
       </p:sp>
+      <p:sp>
+        <p:nvSpPr>
+          <p:cNvPr id="3" name="Content Placeholder 2">
+            <a:extLst>
+              <a:ext uri="{FF2B5EF4-FFF2-40B4-BE49-F238E27FC236}">
+                <a16:creationId xmlns:a16="http://schemas.microsoft.com/office/drawing/2014/main" id="{ABDAF4DD-96BA-CECA-3266-B88601D77C15}"/>
+              </a:ext>
+            </a:extLst>
+          </p:cNvPr>
+          <p:cNvSpPr>
+            <a:spLocks noGrp="1"/>
+          </p:cNvSpPr>
+          <p:nvPr>
+            <p:ph idx="1"/>
+          </p:nvPr>
+        </p:nvSpPr>
+        <p:spPr>
+          <a:xfrm>
+            <a:off x="1145167" y="2245650"/>
+            <a:ext cx="8596668" cy="3880773"/>
+          </a:xfrm>
+        </p:spPr>
+        <p:txBody>
+          <a:bodyPr>
+            <a:normAutofit/>
+          </a:bodyPr>
+          <a:lstStyle/>
+          <a:p>
+            <a:r>
+              <a:rPr lang="en-US" sz="3200" b="1" dirty="0" err="1">
+                <a:solidFill>
+                  <a:schemeClr val="tx2">
+                    <a:lumMod val="75000"/>
+                  </a:schemeClr>
+                </a:solidFill>
+              </a:rPr>
+              <a:t>Sherin</a:t>
+            </a:r>
+            <a:r>
+              <a:rPr lang="en-US" sz="3200" b="1" dirty="0">
+                <a:solidFill>
+                  <a:schemeClr val="accent1">
+                    <a:lumMod val="50000"/>
+                  </a:schemeClr>
+                </a:solidFill>
+              </a:rPr>
+              <a:t>(963520104046) </a:t>
+            </a:r>
+          </a:p>
+          <a:p>
+            <a:r>
+              <a:rPr lang="en-US" sz="3200" b="1" dirty="0">
+                <a:solidFill>
+                  <a:schemeClr val="tx2">
+                    <a:lumMod val="75000"/>
+                  </a:schemeClr>
+                </a:solidFill>
+              </a:rPr>
+              <a:t>Pooja</a:t>
+            </a:r>
+            <a:r>
+              <a:rPr lang="en-US" sz="3200" b="1" dirty="0">
+                <a:solidFill>
+                  <a:srgbClr val="FF0000"/>
+                </a:solidFill>
+              </a:rPr>
+              <a:t> </a:t>
+            </a:r>
+            <a:r>
+              <a:rPr lang="en-US" sz="3200" b="1" dirty="0">
+                <a:solidFill>
+                  <a:schemeClr val="accent1">
+                    <a:lumMod val="50000"/>
+                  </a:schemeClr>
+                </a:solidFill>
+              </a:rPr>
+              <a:t>(963520104036)</a:t>
+            </a:r>
+          </a:p>
+          <a:p>
+            <a:r>
+              <a:rPr lang="en-US" sz="3200" b="1" dirty="0" err="1">
+                <a:solidFill>
+                  <a:schemeClr val="tx2">
+                    <a:lumMod val="75000"/>
+                  </a:schemeClr>
+                </a:solidFill>
+              </a:rPr>
+              <a:t>Vijesh</a:t>
+            </a:r>
+            <a:r>
+              <a:rPr lang="en-US" sz="3200" b="1" dirty="0">
+                <a:solidFill>
+                  <a:schemeClr val="accent1">
+                    <a:lumMod val="50000"/>
+                  </a:schemeClr>
+                </a:solidFill>
+              </a:rPr>
+              <a:t>(963520104312)</a:t>
+            </a:r>
+          </a:p>
+          <a:p>
+            <a:r>
+              <a:rPr lang="en-US" sz="3200" b="1" dirty="0">
+                <a:solidFill>
+                  <a:schemeClr val="tx2">
+                    <a:lumMod val="75000"/>
+                  </a:schemeClr>
+                </a:solidFill>
+              </a:rPr>
+              <a:t>Aslin</a:t>
+            </a:r>
+            <a:r>
+              <a:rPr lang="en-US" sz="3200" b="1" dirty="0">
+                <a:solidFill>
+                  <a:schemeClr val="accent1">
+                    <a:lumMod val="50000"/>
+                  </a:schemeClr>
+                </a:solidFill>
+              </a:rPr>
+              <a:t>(963520104015)</a:t>
+            </a:r>
+          </a:p>
+          <a:p>
+            <a:endParaRPr lang="en-US" sz="3200" b="1" dirty="0">
+              <a:solidFill>
+                <a:schemeClr val="accent1">
+                  <a:lumMod val="50000"/>
+                </a:schemeClr>
+              </a:solidFill>
+            </a:endParaRPr>
+          </a:p>
+          <a:p>
+            <a:r>
+              <a:rPr lang="en-US" sz="3200" b="1" dirty="0">
+                <a:solidFill>
+                  <a:schemeClr val="accent1">
+                    <a:lumMod val="50000"/>
+                  </a:schemeClr>
+                </a:solidFill>
+              </a:rPr>
+              <a:t>Mentor : </a:t>
+            </a:r>
+            <a:r>
+              <a:rPr lang="en-US" sz="3200" b="1" dirty="0" err="1">
+                <a:solidFill>
+                  <a:schemeClr val="tx2">
+                    <a:lumMod val="75000"/>
+                  </a:schemeClr>
+                </a:solidFill>
+              </a:rPr>
+              <a:t>Mr.C</a:t>
+            </a:r>
+            <a:r>
+              <a:rPr lang="en-US" sz="3200" b="1" dirty="0">
+                <a:solidFill>
+                  <a:schemeClr val="tx2">
+                    <a:lumMod val="75000"/>
+                  </a:schemeClr>
+                </a:solidFill>
+              </a:rPr>
+              <a:t>. </a:t>
+            </a:r>
+            <a:r>
+              <a:rPr lang="en-US" sz="3200" b="1" dirty="0" err="1">
+                <a:solidFill>
+                  <a:schemeClr val="tx2">
+                    <a:lumMod val="75000"/>
+                  </a:schemeClr>
+                </a:solidFill>
+              </a:rPr>
+              <a:t>Bastin</a:t>
+            </a:r>
+            <a:r>
+              <a:rPr lang="en-US" sz="3200" b="1" dirty="0">
+                <a:solidFill>
+                  <a:schemeClr val="tx2">
+                    <a:lumMod val="75000"/>
+                  </a:schemeClr>
+                </a:solidFill>
+              </a:rPr>
+              <a:t> Rogers</a:t>
+            </a:r>
+            <a:endParaRPr lang="en-AE" sz="3200" b="1" dirty="0">
+              <a:solidFill>
+                <a:schemeClr val="tx2">
+                  <a:lumMod val="75000"/>
+                </a:schemeClr>
+              </a:solidFill>
+            </a:endParaRPr>
+          </a:p>
+        </p:txBody>
+      </p:sp>
     </p:spTree>
     <p:extLst>
       <p:ext uri="{BB962C8B-B14F-4D97-AF65-F5344CB8AC3E}">
-        <p14:creationId xmlns:p14="http://schemas.microsoft.com/office/powerpoint/2010/main" val="371554182"/>
+        <p14:creationId xmlns:p14="http://schemas.microsoft.com/office/powerpoint/2010/main" val="2027075372"/>
       </p:ext>
     </p:extLst>
   </p:cSld>
@@ -5936,10 +6198,10 @@
       </p:grpSpPr>
       <p:sp>
         <p:nvSpPr>
-          <p:cNvPr id="2" name="Title 1">
+          <p:cNvPr id="4" name="Title 3">
             <a:extLst>
               <a:ext uri="{FF2B5EF4-FFF2-40B4-BE49-F238E27FC236}">
-                <a16:creationId xmlns:a16="http://schemas.microsoft.com/office/drawing/2014/main" id="{E0611686-4B82-FF86-4FEC-6ABEC2265641}"/>
+                <a16:creationId xmlns:a16="http://schemas.microsoft.com/office/drawing/2014/main" id="{6F873661-2B8D-2224-4074-B51A6E5EC5C1}"/>
               </a:ext>
             </a:extLst>
           </p:cNvPr>
@@ -5950,7 +6212,12 @@
             <p:ph type="title"/>
           </p:nvPr>
         </p:nvSpPr>
-        <p:spPr/>
+        <p:spPr>
+          <a:xfrm>
+            <a:off x="677333" y="609599"/>
+            <a:ext cx="8817541" cy="5918792"/>
+          </a:xfrm>
+        </p:spPr>
         <p:txBody>
           <a:bodyPr>
             <a:normAutofit/>
@@ -5958,16 +6225,223 @@
           <a:lstStyle/>
           <a:p>
             <a:r>
-              <a:rPr lang="en-US" sz="6000" b="1" dirty="0">
+              <a:rPr lang="en-US" b="1" dirty="0">
                 <a:solidFill>
                   <a:schemeClr val="accent1">
                     <a:lumMod val="50000"/>
                   </a:schemeClr>
                 </a:solidFill>
               </a:rPr>
-              <a:t>Team Members</a:t>
-            </a:r>
-            <a:endParaRPr lang="en-AE" sz="6000" b="1" dirty="0">
+              <a:t>Problem statement:</a:t>
+            </a:r>
+            <a:br>
+              <a:rPr lang="en-US" b="1" dirty="0">
+                <a:solidFill>
+                  <a:schemeClr val="accent1">
+                    <a:lumMod val="50000"/>
+                  </a:schemeClr>
+                </a:solidFill>
+              </a:rPr>
+            </a:br>
+            <a:br>
+              <a:rPr lang="en-US" b="1" dirty="0">
+                <a:solidFill>
+                  <a:schemeClr val="accent1">
+                    <a:lumMod val="50000"/>
+                  </a:schemeClr>
+                </a:solidFill>
+              </a:rPr>
+            </a:br>
+            <a:r>
+              <a:rPr lang="en-US" b="1" dirty="0">
+                <a:solidFill>
+                  <a:schemeClr val="accent1">
+                    <a:lumMod val="50000"/>
+                  </a:schemeClr>
+                </a:solidFill>
+              </a:rPr>
+              <a:t>	</a:t>
+            </a:r>
+            <a:r>
+              <a:rPr lang="en-US" sz="3600" b="1" dirty="0">
+                <a:solidFill>
+                  <a:schemeClr val="accent1">
+                    <a:lumMod val="50000"/>
+                  </a:schemeClr>
+                </a:solidFill>
+              </a:rPr>
+              <a:t>Many of the</a:t>
+            </a:r>
+            <a:r>
+              <a:rPr lang="en-US" sz="3600" b="1" dirty="0">
+                <a:solidFill>
+                  <a:schemeClr val="tx2">
+                    <a:lumMod val="75000"/>
+                  </a:schemeClr>
+                </a:solidFill>
+              </a:rPr>
+              <a:t> problems </a:t>
+            </a:r>
+            <a:r>
+              <a:rPr lang="en-US" sz="3600" b="1" dirty="0">
+                <a:solidFill>
+                  <a:schemeClr val="accent1">
+                    <a:lumMod val="50000"/>
+                  </a:schemeClr>
+                </a:solidFill>
+              </a:rPr>
+              <a:t>faced by nations and societies remain </a:t>
+            </a:r>
+            <a:r>
+              <a:rPr lang="en-US" sz="3600" b="1" dirty="0">
+                <a:solidFill>
+                  <a:schemeClr val="tx2">
+                    <a:lumMod val="75000"/>
+                  </a:schemeClr>
+                </a:solidFill>
+              </a:rPr>
+              <a:t>unresolved</a:t>
+            </a:r>
+            <a:r>
+              <a:rPr lang="en-US" sz="3600" b="1" dirty="0">
+                <a:solidFill>
+                  <a:schemeClr val="accent1">
+                    <a:lumMod val="50000"/>
+                  </a:schemeClr>
+                </a:solidFill>
+              </a:rPr>
+              <a:t> </a:t>
+            </a:r>
+            <a:r>
+              <a:rPr lang="en-US" sz="3600" b="1" dirty="0">
+                <a:solidFill>
+                  <a:schemeClr val="tx2">
+                    <a:lumMod val="75000"/>
+                  </a:schemeClr>
+                </a:solidFill>
+              </a:rPr>
+              <a:t>due</a:t>
+            </a:r>
+            <a:r>
+              <a:rPr lang="en-US" sz="3600" b="1" dirty="0">
+                <a:solidFill>
+                  <a:schemeClr val="accent1">
+                    <a:lumMod val="50000"/>
+                  </a:schemeClr>
+                </a:solidFill>
+              </a:rPr>
+              <a:t> to the difficulty in </a:t>
+            </a:r>
+            <a:r>
+              <a:rPr lang="en-US" sz="3600" b="1" dirty="0">
+                <a:solidFill>
+                  <a:schemeClr val="tx2">
+                    <a:lumMod val="75000"/>
+                  </a:schemeClr>
+                </a:solidFill>
+              </a:rPr>
+              <a:t>finding efficient solutions</a:t>
+            </a:r>
+            <a:r>
+              <a:rPr lang="en-US" sz="3600" b="1" dirty="0">
+                <a:solidFill>
+                  <a:schemeClr val="accent1">
+                    <a:lumMod val="50000"/>
+                  </a:schemeClr>
+                </a:solidFill>
+              </a:rPr>
+              <a:t>. In addition, some </a:t>
+            </a:r>
+            <a:r>
+              <a:rPr lang="en-US" sz="3600" b="1" dirty="0">
+                <a:solidFill>
+                  <a:schemeClr val="tx2">
+                    <a:lumMod val="75000"/>
+                  </a:schemeClr>
+                </a:solidFill>
+              </a:rPr>
+              <a:t>government schemes </a:t>
+            </a:r>
+            <a:r>
+              <a:rPr lang="en-US" sz="3600" b="1" dirty="0">
+                <a:solidFill>
+                  <a:schemeClr val="accent1">
+                    <a:lumMod val="50000"/>
+                  </a:schemeClr>
+                </a:solidFill>
+              </a:rPr>
+              <a:t>are </a:t>
+            </a:r>
+            <a:r>
+              <a:rPr lang="en-US" sz="3600" b="1" dirty="0">
+                <a:solidFill>
+                  <a:schemeClr val="tx2">
+                    <a:lumMod val="75000"/>
+                  </a:schemeClr>
+                </a:solidFill>
+              </a:rPr>
+              <a:t>not effectively addressing</a:t>
+            </a:r>
+            <a:r>
+              <a:rPr lang="en-US" sz="3600" b="1" dirty="0">
+                <a:solidFill>
+                  <a:schemeClr val="accent1">
+                    <a:lumMod val="50000"/>
+                  </a:schemeClr>
+                </a:solidFill>
+              </a:rPr>
+              <a:t> the </a:t>
+            </a:r>
+            <a:r>
+              <a:rPr lang="en-US" sz="3600" b="1" dirty="0">
+                <a:solidFill>
+                  <a:schemeClr val="tx2">
+                    <a:lumMod val="75000"/>
+                  </a:schemeClr>
+                </a:solidFill>
+              </a:rPr>
+              <a:t>needs</a:t>
+            </a:r>
+            <a:r>
+              <a:rPr lang="en-US" sz="3600" b="1" dirty="0">
+                <a:solidFill>
+                  <a:schemeClr val="accent1">
+                    <a:lumMod val="50000"/>
+                  </a:schemeClr>
+                </a:solidFill>
+              </a:rPr>
+              <a:t> of the </a:t>
+            </a:r>
+            <a:r>
+              <a:rPr lang="en-US" sz="3600" b="1" dirty="0">
+                <a:solidFill>
+                  <a:schemeClr val="tx2">
+                    <a:lumMod val="75000"/>
+                  </a:schemeClr>
+                </a:solidFill>
+              </a:rPr>
+              <a:t>people</a:t>
+            </a:r>
+            <a:r>
+              <a:rPr lang="en-US" sz="3600" b="1" dirty="0">
+                <a:solidFill>
+                  <a:schemeClr val="accent1">
+                    <a:lumMod val="50000"/>
+                  </a:schemeClr>
+                </a:solidFill>
+              </a:rPr>
+              <a:t>.</a:t>
+            </a:r>
+            <a:br>
+              <a:rPr lang="en-AE" sz="3600" b="1" dirty="0">
+                <a:solidFill>
+                  <a:schemeClr val="accent1">
+                    <a:lumMod val="50000"/>
+                  </a:schemeClr>
+                </a:solidFill>
+              </a:rPr>
+            </a:br>
+            <a:endParaRPr lang="en-AE" b="1" dirty="0">
               <a:solidFill>
                 <a:schemeClr val="accent1">
                   <a:lumMod val="50000"/>
@@ -5977,169 +6451,10 @@
           </a:p>
         </p:txBody>
       </p:sp>
-      <p:sp>
-        <p:nvSpPr>
-          <p:cNvPr id="3" name="Content Placeholder 2">
-            <a:extLst>
-              <a:ext uri="{FF2B5EF4-FFF2-40B4-BE49-F238E27FC236}">
-                <a16:creationId xmlns:a16="http://schemas.microsoft.com/office/drawing/2014/main" id="{ABDAF4DD-96BA-CECA-3266-B88601D77C15}"/>
-              </a:ext>
-            </a:extLst>
-          </p:cNvPr>
-          <p:cNvSpPr>
-            <a:spLocks noGrp="1"/>
-          </p:cNvSpPr>
-          <p:nvPr>
-            <p:ph idx="1"/>
-          </p:nvPr>
-        </p:nvSpPr>
-        <p:spPr>
-          <a:xfrm>
-            <a:off x="1145167" y="2245650"/>
-            <a:ext cx="8596668" cy="3880773"/>
-          </a:xfrm>
-        </p:spPr>
-        <p:txBody>
-          <a:bodyPr>
-            <a:normAutofit/>
-          </a:bodyPr>
-          <a:lstStyle/>
-          <a:p>
-            <a:r>
-              <a:rPr lang="en-US" sz="3200" b="1" dirty="0" err="1">
-                <a:solidFill>
-                  <a:srgbClr val="FF0000"/>
-                </a:solidFill>
-              </a:rPr>
-              <a:t>Sherin</a:t>
-            </a:r>
-            <a:r>
-              <a:rPr lang="en-US" sz="3200" b="1" dirty="0">
-                <a:solidFill>
-                  <a:schemeClr val="accent1">
-                    <a:lumMod val="50000"/>
-                  </a:schemeClr>
-                </a:solidFill>
-              </a:rPr>
-              <a:t>(963520104046) – Team Leader</a:t>
-            </a:r>
-          </a:p>
-          <a:p>
-            <a:r>
-              <a:rPr lang="en-US" sz="3200" b="1" dirty="0">
-                <a:solidFill>
-                  <a:srgbClr val="FF0000"/>
-                </a:solidFill>
-              </a:rPr>
-              <a:t>Pooja </a:t>
-            </a:r>
-            <a:r>
-              <a:rPr lang="en-US" sz="3200" b="1" dirty="0">
-                <a:solidFill>
-                  <a:schemeClr val="accent1">
-                    <a:lumMod val="50000"/>
-                  </a:schemeClr>
-                </a:solidFill>
-              </a:rPr>
-              <a:t>(963520104036)</a:t>
-            </a:r>
-          </a:p>
-          <a:p>
-            <a:r>
-              <a:rPr lang="en-US" sz="3200" b="1" dirty="0" err="1">
-                <a:solidFill>
-                  <a:srgbClr val="FF0000"/>
-                </a:solidFill>
-              </a:rPr>
-              <a:t>Vijesh</a:t>
-            </a:r>
-            <a:r>
-              <a:rPr lang="en-US" sz="3200" b="1" dirty="0">
-                <a:solidFill>
-                  <a:schemeClr val="accent1">
-                    <a:lumMod val="50000"/>
-                  </a:schemeClr>
-                </a:solidFill>
-              </a:rPr>
-              <a:t>(963520104312)</a:t>
-            </a:r>
-          </a:p>
-          <a:p>
-            <a:r>
-              <a:rPr lang="en-US" sz="3200" b="1" dirty="0">
-                <a:solidFill>
-                  <a:srgbClr val="FF0000"/>
-                </a:solidFill>
-              </a:rPr>
-              <a:t>Aslin</a:t>
-            </a:r>
-            <a:r>
-              <a:rPr lang="en-US" sz="3200" b="1" dirty="0">
-                <a:solidFill>
-                  <a:schemeClr val="accent1">
-                    <a:lumMod val="50000"/>
-                  </a:schemeClr>
-                </a:solidFill>
-              </a:rPr>
-              <a:t>(963520104015)</a:t>
-            </a:r>
-          </a:p>
-          <a:p>
-            <a:endParaRPr lang="en-US" sz="3200" b="1" dirty="0">
-              <a:solidFill>
-                <a:schemeClr val="accent1">
-                  <a:lumMod val="50000"/>
-                </a:schemeClr>
-              </a:solidFill>
-            </a:endParaRPr>
-          </a:p>
-          <a:p>
-            <a:r>
-              <a:rPr lang="en-US" sz="3200" b="1" dirty="0">
-                <a:solidFill>
-                  <a:schemeClr val="accent1">
-                    <a:lumMod val="50000"/>
-                  </a:schemeClr>
-                </a:solidFill>
-              </a:rPr>
-              <a:t>Mentor : </a:t>
-            </a:r>
-            <a:r>
-              <a:rPr lang="en-US" sz="3200" b="1" dirty="0">
-                <a:solidFill>
-                  <a:srgbClr val="FF0000"/>
-                </a:solidFill>
-              </a:rPr>
-              <a:t>Mr. </a:t>
-            </a:r>
-            <a:r>
-              <a:rPr lang="en-US" sz="3200" b="1" dirty="0" err="1">
-                <a:solidFill>
-                  <a:srgbClr val="FF0000"/>
-                </a:solidFill>
-              </a:rPr>
-              <a:t>Bastin</a:t>
-            </a:r>
-            <a:r>
-              <a:rPr lang="en-US" sz="3200" b="1" dirty="0">
-                <a:solidFill>
-                  <a:srgbClr val="FF0000"/>
-                </a:solidFill>
-              </a:rPr>
-              <a:t> Rogers</a:t>
-            </a:r>
-            <a:endParaRPr lang="en-AE" sz="3200" b="1" dirty="0">
-              <a:solidFill>
-                <a:srgbClr val="FF0000"/>
-              </a:solidFill>
-            </a:endParaRPr>
-          </a:p>
-        </p:txBody>
-      </p:sp>
     </p:spTree>
     <p:extLst>
       <p:ext uri="{BB962C8B-B14F-4D97-AF65-F5344CB8AC3E}">
-        <p14:creationId xmlns:p14="http://schemas.microsoft.com/office/powerpoint/2010/main" val="2027075372"/>
+        <p14:creationId xmlns:p14="http://schemas.microsoft.com/office/powerpoint/2010/main" val="1342904768"/>
       </p:ext>
     </p:extLst>
   </p:cSld>
@@ -6171,7 +6486,7 @@
           <p:cNvPr id="4" name="Title 3">
             <a:extLst>
               <a:ext uri="{FF2B5EF4-FFF2-40B4-BE49-F238E27FC236}">
-                <a16:creationId xmlns:a16="http://schemas.microsoft.com/office/drawing/2014/main" id="{6F873661-2B8D-2224-4074-B51A6E5EC5C1}"/>
+                <a16:creationId xmlns:a16="http://schemas.microsoft.com/office/drawing/2014/main" id="{517F3D95-03D1-415F-B459-4CA2E46DFF45}"/>
               </a:ext>
             </a:extLst>
           </p:cNvPr>
@@ -6184,145 +6499,274 @@
         </p:nvSpPr>
         <p:spPr>
           <a:xfrm>
-            <a:off x="284139" y="511692"/>
-            <a:ext cx="8596668" cy="1320800"/>
+            <a:off x="528479" y="875414"/>
+            <a:ext cx="8700582" cy="878958"/>
           </a:xfrm>
         </p:spPr>
         <p:txBody>
-          <a:bodyPr/>
+          <a:bodyPr>
+            <a:normAutofit fontScale="90000"/>
+          </a:bodyPr>
           <a:lstStyle/>
           <a:p>
             <a:r>
               <a:rPr lang="en-US" b="1" dirty="0">
+                <a:solidFill>
+                  <a:schemeClr val="tx2">
+                    <a:lumMod val="75000"/>
+                  </a:schemeClr>
+                </a:solidFill>
+              </a:rPr>
+              <a:t>Existing Solution :</a:t>
+            </a:r>
+            <a:br>
+              <a:rPr lang="en-US" b="1" dirty="0">
+                <a:solidFill>
+                  <a:schemeClr val="tx2">
+                    <a:lumMod val="75000"/>
+                  </a:schemeClr>
+                </a:solidFill>
+              </a:rPr>
+            </a:br>
+            <a:br>
+              <a:rPr lang="en-US" b="1" dirty="0">
+                <a:solidFill>
+                  <a:schemeClr val="tx2">
+                    <a:lumMod val="75000"/>
+                  </a:schemeClr>
+                </a:solidFill>
+              </a:rPr>
+            </a:br>
+            <a:r>
+              <a:rPr lang="en-US" b="1" dirty="0">
+                <a:solidFill>
+                  <a:schemeClr val="tx2">
+                    <a:lumMod val="75000"/>
+                  </a:schemeClr>
+                </a:solidFill>
+              </a:rPr>
+              <a:t>	</a:t>
+            </a:r>
+            <a:endParaRPr lang="en-AE" b="1" dirty="0">
+              <a:solidFill>
+                <a:schemeClr val="tx2">
+                  <a:lumMod val="75000"/>
+                </a:schemeClr>
+              </a:solidFill>
+            </a:endParaRPr>
+          </a:p>
+        </p:txBody>
+      </p:sp>
+      <p:sp>
+        <p:nvSpPr>
+          <p:cNvPr id="6" name="Title 3">
+            <a:extLst>
+              <a:ext uri="{FF2B5EF4-FFF2-40B4-BE49-F238E27FC236}">
+                <a16:creationId xmlns:a16="http://schemas.microsoft.com/office/drawing/2014/main" id="{F7EB8745-ABD1-4667-B8E4-AC1D25F635D8}"/>
+              </a:ext>
+            </a:extLst>
+          </p:cNvPr>
+          <p:cNvSpPr txBox="1">
+            <a:spLocks/>
+          </p:cNvSpPr>
+          <p:nvPr/>
+        </p:nvSpPr>
+        <p:spPr>
+          <a:xfrm>
+            <a:off x="1745709" y="2057400"/>
+            <a:ext cx="8700582" cy="4685414"/>
+          </a:xfrm>
+          <a:prstGeom prst="rect">
+            <a:avLst/>
+          </a:prstGeom>
+        </p:spPr>
+        <p:txBody>
+          <a:bodyPr vert="horz" lIns="91440" tIns="45720" rIns="91440" bIns="45720" rtlCol="0" anchor="t">
+            <a:normAutofit/>
+          </a:bodyPr>
+          <a:lstStyle>
+            <a:lvl1pPr algn="l" defTabSz="457200" rtl="0" eaLnBrk="1" latinLnBrk="0" hangingPunct="1">
+              <a:spcBef>
+                <a:spcPct val="0"/>
+              </a:spcBef>
+              <a:buNone/>
+              <a:defRPr sz="3600" kern="1200">
+                <a:solidFill>
+                  <a:schemeClr val="accent1"/>
+                </a:solidFill>
+                <a:latin typeface="+mj-lt"/>
+                <a:ea typeface="+mj-ea"/>
+                <a:cs typeface="+mj-cs"/>
+              </a:defRPr>
+            </a:lvl1pPr>
+            <a:lvl2pPr eaLnBrk="1" hangingPunct="1">
+              <a:defRPr>
+                <a:solidFill>
+                  <a:schemeClr val="tx2"/>
+                </a:solidFill>
+              </a:defRPr>
+            </a:lvl2pPr>
+            <a:lvl3pPr eaLnBrk="1" hangingPunct="1">
+              <a:defRPr>
+                <a:solidFill>
+                  <a:schemeClr val="tx2"/>
+                </a:solidFill>
+              </a:defRPr>
+            </a:lvl3pPr>
+            <a:lvl4pPr eaLnBrk="1" hangingPunct="1">
+              <a:defRPr>
+                <a:solidFill>
+                  <a:schemeClr val="tx2"/>
+                </a:solidFill>
+              </a:defRPr>
+            </a:lvl4pPr>
+            <a:lvl5pPr eaLnBrk="1" hangingPunct="1">
+              <a:defRPr>
+                <a:solidFill>
+                  <a:schemeClr val="tx2"/>
+                </a:solidFill>
+              </a:defRPr>
+            </a:lvl5pPr>
+            <a:lvl6pPr eaLnBrk="1" hangingPunct="1">
+              <a:defRPr>
+                <a:solidFill>
+                  <a:schemeClr val="tx2"/>
+                </a:solidFill>
+              </a:defRPr>
+            </a:lvl6pPr>
+            <a:lvl7pPr eaLnBrk="1" hangingPunct="1">
+              <a:defRPr>
+                <a:solidFill>
+                  <a:schemeClr val="tx2"/>
+                </a:solidFill>
+              </a:defRPr>
+            </a:lvl7pPr>
+            <a:lvl8pPr eaLnBrk="1" hangingPunct="1">
+              <a:defRPr>
+                <a:solidFill>
+                  <a:schemeClr val="tx2"/>
+                </a:solidFill>
+              </a:defRPr>
+            </a:lvl8pPr>
+            <a:lvl9pPr eaLnBrk="1" hangingPunct="1">
+              <a:defRPr>
+                <a:solidFill>
+                  <a:schemeClr val="tx2"/>
+                </a:solidFill>
+              </a:defRPr>
+            </a:lvl9pPr>
+          </a:lstStyle>
+          <a:p>
+            <a:pPr marL="571500" indent="-571500">
+              <a:lnSpc>
+                <a:spcPct val="150000"/>
+              </a:lnSpc>
+              <a:buFont typeface="Wingdings" panose="05000000000000000000" pitchFamily="2" charset="2"/>
+              <a:buChar char="q"/>
+            </a:pPr>
+            <a:r>
+              <a:rPr lang="en-US" dirty="0" err="1">
                 <a:solidFill>
                   <a:schemeClr val="accent1">
                     <a:lumMod val="50000"/>
                   </a:schemeClr>
                 </a:solidFill>
+                <a:latin typeface="Arial Black" panose="020B0A04020102020204" pitchFamily="34" charset="0"/>
               </a:rPr>
-              <a:t>Problem statement:</a:t>
-            </a:r>
-            <a:endParaRPr lang="en-AE" b="1" dirty="0">
+              <a:t>Govloop</a:t>
+            </a:r>
+            <a:endParaRPr lang="en-US" dirty="0">
               <a:solidFill>
                 <a:schemeClr val="accent1">
                   <a:lumMod val="50000"/>
                 </a:schemeClr>
               </a:solidFill>
+              <a:latin typeface="Arial Black" panose="020B0A04020102020204" pitchFamily="34" charset="0"/>
             </a:endParaRPr>
           </a:p>
-        </p:txBody>
-      </p:sp>
-      <p:sp>
-        <p:nvSpPr>
-          <p:cNvPr id="3" name="Content Placeholder 2">
-            <a:extLst>
-              <a:ext uri="{FF2B5EF4-FFF2-40B4-BE49-F238E27FC236}">
-                <a16:creationId xmlns:a16="http://schemas.microsoft.com/office/drawing/2014/main" id="{C171D5EA-ABF7-4650-74D1-21D54EFE30C3}"/>
-              </a:ext>
-            </a:extLst>
-          </p:cNvPr>
-          <p:cNvSpPr>
-            <a:spLocks noGrp="1"/>
-          </p:cNvSpPr>
-          <p:nvPr>
-            <p:ph idx="4294967295"/>
-          </p:nvPr>
-        </p:nvSpPr>
-        <p:spPr>
-          <a:xfrm>
-            <a:off x="574157" y="1832492"/>
-            <a:ext cx="8923338" cy="5441950"/>
-          </a:xfrm>
-          <a:effectLst>
-            <a:outerShdw blurRad="50800" dist="38100" dir="2700000" algn="tl" rotWithShape="0">
-              <a:prstClr val="black">
-                <a:alpha val="40000"/>
-              </a:prstClr>
-            </a:outerShdw>
-          </a:effectLst>
-        </p:spPr>
-        <p:txBody>
-          <a:bodyPr>
-            <a:normAutofit/>
-          </a:bodyPr>
-          <a:lstStyle/>
-          <a:p>
-            <a:pPr marL="0" indent="0">
-              <a:buNone/>
+          <a:p>
+            <a:pPr marL="571500" indent="-571500">
+              <a:lnSpc>
+                <a:spcPct val="150000"/>
+              </a:lnSpc>
+              <a:buFont typeface="Wingdings" panose="05000000000000000000" pitchFamily="2" charset="2"/>
+              <a:buChar char="q"/>
             </a:pPr>
             <a:r>
-              <a:rPr lang="en-US" sz="5400" b="1" dirty="0">
+              <a:rPr lang="en-US" dirty="0" err="1">
                 <a:solidFill>
                   <a:schemeClr val="accent1">
                     <a:lumMod val="50000"/>
                   </a:schemeClr>
                 </a:solidFill>
-                <a:effectLst/>
-                <a:latin typeface="Calibri" panose="020F0502020204030204" pitchFamily="34" charset="0"/>
-                <a:ea typeface="Calibri" panose="020F0502020204030204" pitchFamily="34" charset="0"/>
-                <a:cs typeface="Times New Roman" panose="02020603050405020304" pitchFamily="18" charset="0"/>
+                <a:latin typeface="Arial Black" panose="020B0A04020102020204" pitchFamily="34" charset="0"/>
               </a:rPr>
-              <a:t>In our nation and society, various problems are not able to solve because we can’t find a better solution to solves it</a:t>
-            </a:r>
-          </a:p>
-          <a:p>
-            <a:pPr marL="0" indent="0">
-              <a:buNone/>
-            </a:pPr>
-            <a:r>
-              <a:rPr lang="en-US" sz="4400" b="1" dirty="0" err="1">
-                <a:solidFill>
-                  <a:schemeClr val="accent1">
-                    <a:lumMod val="50000"/>
-                  </a:schemeClr>
-                </a:solidFill>
-                <a:latin typeface="Calibri" panose="020F0502020204030204" pitchFamily="34" charset="0"/>
-                <a:cs typeface="Times New Roman" panose="02020603050405020304" pitchFamily="18" charset="0"/>
-              </a:rPr>
-              <a:t>Eg</a:t>
-            </a:r>
-            <a:r>
-              <a:rPr lang="en-US" sz="4400" b="1" dirty="0">
-                <a:solidFill>
-                  <a:schemeClr val="accent1">
-                    <a:lumMod val="50000"/>
-                  </a:schemeClr>
-                </a:solidFill>
-                <a:latin typeface="Calibri" panose="020F0502020204030204" pitchFamily="34" charset="0"/>
-                <a:cs typeface="Times New Roman" panose="02020603050405020304" pitchFamily="18" charset="0"/>
-              </a:rPr>
-              <a:t> : </a:t>
-            </a:r>
-            <a:r>
-              <a:rPr lang="en-US" sz="4400" b="1" dirty="0" err="1">
-                <a:solidFill>
-                  <a:schemeClr val="accent1">
-                    <a:lumMod val="50000"/>
-                  </a:schemeClr>
-                </a:solidFill>
-                <a:latin typeface="Calibri" panose="020F0502020204030204" pitchFamily="34" charset="0"/>
-                <a:cs typeface="Times New Roman" panose="02020603050405020304" pitchFamily="18" charset="0"/>
-              </a:rPr>
-              <a:t>Tasmark</a:t>
-            </a:r>
-            <a:r>
-              <a:rPr lang="en-US" sz="4400" b="1" dirty="0">
-                <a:solidFill>
-                  <a:schemeClr val="accent1">
-                    <a:lumMod val="50000"/>
-                  </a:schemeClr>
-                </a:solidFill>
-                <a:latin typeface="Calibri" panose="020F0502020204030204" pitchFamily="34" charset="0"/>
-                <a:cs typeface="Times New Roman" panose="02020603050405020304" pitchFamily="18" charset="0"/>
-              </a:rPr>
-              <a:t> Shops</a:t>
-            </a:r>
-            <a:endParaRPr lang="en-AE" sz="8000" b="1" dirty="0">
+              <a:t>Ideascale</a:t>
+            </a:r>
+            <a:endParaRPr lang="en-US" dirty="0">
               <a:solidFill>
                 <a:schemeClr val="accent1">
                   <a:lumMod val="50000"/>
                 </a:schemeClr>
               </a:solidFill>
+              <a:latin typeface="Arial Black" panose="020B0A04020102020204" pitchFamily="34" charset="0"/>
+            </a:endParaRPr>
+          </a:p>
+          <a:p>
+            <a:pPr marL="571500" indent="-571500">
+              <a:lnSpc>
+                <a:spcPct val="150000"/>
+              </a:lnSpc>
+              <a:buFont typeface="Wingdings" panose="05000000000000000000" pitchFamily="2" charset="2"/>
+              <a:buChar char="q"/>
+            </a:pPr>
+            <a:r>
+              <a:rPr lang="en-US" dirty="0">
+                <a:solidFill>
+                  <a:schemeClr val="accent1">
+                    <a:lumMod val="50000"/>
+                  </a:schemeClr>
+                </a:solidFill>
+                <a:latin typeface="Arial Black" panose="020B0A04020102020204" pitchFamily="34" charset="0"/>
+              </a:rPr>
+              <a:t>Change.org</a:t>
+            </a:r>
+          </a:p>
+          <a:p>
+            <a:pPr marL="571500" indent="-571500">
+              <a:lnSpc>
+                <a:spcPct val="150000"/>
+              </a:lnSpc>
+              <a:buFont typeface="Wingdings" panose="05000000000000000000" pitchFamily="2" charset="2"/>
+              <a:buChar char="q"/>
+            </a:pPr>
+            <a:r>
+              <a:rPr lang="en-US" dirty="0">
+                <a:solidFill>
+                  <a:schemeClr val="accent1">
+                    <a:lumMod val="50000"/>
+                  </a:schemeClr>
+                </a:solidFill>
+                <a:latin typeface="Arial Black" panose="020B0A04020102020204" pitchFamily="34" charset="0"/>
+              </a:rPr>
+              <a:t>MyGov</a:t>
+            </a:r>
+            <a:br>
+              <a:rPr lang="en-AE" dirty="0">
+                <a:solidFill>
+                  <a:schemeClr val="accent1">
+                    <a:lumMod val="50000"/>
+                  </a:schemeClr>
+                </a:solidFill>
+                <a:latin typeface="Arial Black" panose="020B0A04020102020204" pitchFamily="34" charset="0"/>
+              </a:rPr>
+            </a:br>
+            <a:endParaRPr lang="en-AE" b="1" dirty="0">
+              <a:solidFill>
+                <a:schemeClr val="tx2">
+                  <a:lumMod val="75000"/>
+                </a:schemeClr>
+              </a:solidFill>
             </a:endParaRPr>
           </a:p>
         </p:txBody>
@@ -6330,7 +6774,7 @@
     </p:spTree>
     <p:extLst>
       <p:ext uri="{BB962C8B-B14F-4D97-AF65-F5344CB8AC3E}">
-        <p14:creationId xmlns:p14="http://schemas.microsoft.com/office/powerpoint/2010/main" val="1342904768"/>
+        <p14:creationId xmlns:p14="http://schemas.microsoft.com/office/powerpoint/2010/main" val="2796542405"/>
       </p:ext>
     </p:extLst>
   </p:cSld>
@@ -6359,10 +6803,10 @@
       </p:grpSpPr>
       <p:sp>
         <p:nvSpPr>
-          <p:cNvPr id="6" name="Title 5">
+          <p:cNvPr id="2" name="Title 1">
             <a:extLst>
               <a:ext uri="{FF2B5EF4-FFF2-40B4-BE49-F238E27FC236}">
-                <a16:creationId xmlns:a16="http://schemas.microsoft.com/office/drawing/2014/main" id="{FC533FBC-EA7F-7A14-F378-D0FCF6BD28EC}"/>
+                <a16:creationId xmlns:a16="http://schemas.microsoft.com/office/drawing/2014/main" id="{25D65D82-5FB4-4587-A41F-7F6AA663CD58}"/>
               </a:ext>
             </a:extLst>
           </p:cNvPr>
@@ -6373,102 +6817,170 @@
             <p:ph type="title"/>
           </p:nvPr>
         </p:nvSpPr>
-        <p:spPr>
-          <a:xfrm>
-            <a:off x="347724" y="279991"/>
-            <a:ext cx="8596668" cy="1320800"/>
-          </a:xfrm>
-        </p:spPr>
+        <p:spPr/>
         <p:txBody>
           <a:bodyPr/>
           <a:lstStyle/>
           <a:p>
             <a:r>
-              <a:rPr lang="en-US" b="1" dirty="0">
-                <a:solidFill>
-                  <a:schemeClr val="accent1">
-                    <a:lumMod val="50000"/>
-                  </a:schemeClr>
-                </a:solidFill>
-              </a:rPr>
-              <a:t>Solution :</a:t>
-            </a:r>
-            <a:endParaRPr lang="en-AE" b="1" dirty="0">
-              <a:solidFill>
-                <a:schemeClr val="accent1">
-                  <a:lumMod val="50000"/>
-                </a:schemeClr>
-              </a:solidFill>
-            </a:endParaRPr>
-          </a:p>
-        </p:txBody>
-      </p:sp>
-      <p:sp>
-        <p:nvSpPr>
-          <p:cNvPr id="5" name="Content Placeholder 4">
+              <a:rPr lang="en-US" dirty="0"/>
+              <a:t>Challenges in the existing solution :</a:t>
+            </a:r>
+            <a:endParaRPr lang="en-AE" dirty="0"/>
+          </a:p>
+        </p:txBody>
+      </p:sp>
+      <p:sp>
+        <p:nvSpPr>
+          <p:cNvPr id="3" name="Title 1">
             <a:extLst>
               <a:ext uri="{FF2B5EF4-FFF2-40B4-BE49-F238E27FC236}">
-                <a16:creationId xmlns:a16="http://schemas.microsoft.com/office/drawing/2014/main" id="{9CD39539-89CB-15E7-5EF9-FB1C0637742D}"/>
+                <a16:creationId xmlns:a16="http://schemas.microsoft.com/office/drawing/2014/main" id="{D674F8BF-157E-4022-BBC7-C482E6A95B27}"/>
               </a:ext>
             </a:extLst>
           </p:cNvPr>
-          <p:cNvSpPr>
-            <a:spLocks noGrp="1"/>
-          </p:cNvSpPr>
-          <p:nvPr>
-            <p:ph idx="4294967295"/>
-          </p:nvPr>
+          <p:cNvSpPr txBox="1">
+            <a:spLocks/>
+          </p:cNvSpPr>
+          <p:nvPr/>
         </p:nvSpPr>
         <p:spPr>
           <a:xfrm>
-            <a:off x="648586" y="1488005"/>
-            <a:ext cx="8509000" cy="4894262"/>
+            <a:off x="1318832" y="1930400"/>
+            <a:ext cx="8596668" cy="3926959"/>
           </a:xfrm>
-          <a:ln>
-            <a:solidFill>
-              <a:schemeClr val="accent6">
-                <a:lumMod val="50000"/>
-              </a:schemeClr>
-            </a:solidFill>
-          </a:ln>
+          <a:prstGeom prst="rect">
+            <a:avLst/>
+          </a:prstGeom>
         </p:spPr>
         <p:txBody>
-          <a:bodyPr>
+          <a:bodyPr vert="horz" lIns="91440" tIns="45720" rIns="91440" bIns="45720" rtlCol="0" anchor="t">
             <a:normAutofit/>
           </a:bodyPr>
-          <a:lstStyle/>
-          <a:p>
-            <a:pPr marL="0" indent="0">
-              <a:buNone/>
+          <a:lstStyle>
+            <a:lvl1pPr algn="l" defTabSz="457200" rtl="0" eaLnBrk="1" latinLnBrk="0" hangingPunct="1">
+              <a:spcBef>
+                <a:spcPct val="0"/>
+              </a:spcBef>
+              <a:buNone/>
+              <a:defRPr sz="3600" kern="1200">
+                <a:solidFill>
+                  <a:schemeClr val="accent1"/>
+                </a:solidFill>
+                <a:latin typeface="+mj-lt"/>
+                <a:ea typeface="+mj-ea"/>
+                <a:cs typeface="+mj-cs"/>
+              </a:defRPr>
+            </a:lvl1pPr>
+            <a:lvl2pPr eaLnBrk="1" hangingPunct="1">
+              <a:defRPr>
+                <a:solidFill>
+                  <a:schemeClr val="tx2"/>
+                </a:solidFill>
+              </a:defRPr>
+            </a:lvl2pPr>
+            <a:lvl3pPr eaLnBrk="1" hangingPunct="1">
+              <a:defRPr>
+                <a:solidFill>
+                  <a:schemeClr val="tx2"/>
+                </a:solidFill>
+              </a:defRPr>
+            </a:lvl3pPr>
+            <a:lvl4pPr eaLnBrk="1" hangingPunct="1">
+              <a:defRPr>
+                <a:solidFill>
+                  <a:schemeClr val="tx2"/>
+                </a:solidFill>
+              </a:defRPr>
+            </a:lvl4pPr>
+            <a:lvl5pPr eaLnBrk="1" hangingPunct="1">
+              <a:defRPr>
+                <a:solidFill>
+                  <a:schemeClr val="tx2"/>
+                </a:solidFill>
+              </a:defRPr>
+            </a:lvl5pPr>
+            <a:lvl6pPr eaLnBrk="1" hangingPunct="1">
+              <a:defRPr>
+                <a:solidFill>
+                  <a:schemeClr val="tx2"/>
+                </a:solidFill>
+              </a:defRPr>
+            </a:lvl6pPr>
+            <a:lvl7pPr eaLnBrk="1" hangingPunct="1">
+              <a:defRPr>
+                <a:solidFill>
+                  <a:schemeClr val="tx2"/>
+                </a:solidFill>
+              </a:defRPr>
+            </a:lvl7pPr>
+            <a:lvl8pPr eaLnBrk="1" hangingPunct="1">
+              <a:defRPr>
+                <a:solidFill>
+                  <a:schemeClr val="tx2"/>
+                </a:solidFill>
+              </a:defRPr>
+            </a:lvl8pPr>
+            <a:lvl9pPr eaLnBrk="1" hangingPunct="1">
+              <a:defRPr>
+                <a:solidFill>
+                  <a:schemeClr val="tx2"/>
+                </a:solidFill>
+              </a:defRPr>
+            </a:lvl9pPr>
+          </a:lstStyle>
+          <a:p>
+            <a:pPr marL="571500" indent="-571500">
+              <a:buFont typeface="Wingdings" panose="05000000000000000000" pitchFamily="2" charset="2"/>
+              <a:buChar char="q"/>
             </a:pPr>
             <a:r>
-              <a:rPr lang="en-US" sz="4400" b="1" dirty="0">
-                <a:solidFill>
-                  <a:schemeClr val="accent1">
-                    <a:lumMod val="50000"/>
-                  </a:schemeClr>
-                </a:solidFill>
-                <a:effectLst/>
-                <a:latin typeface="Calibri" panose="020F0502020204030204" pitchFamily="34" charset="0"/>
-                <a:ea typeface="Calibri" panose="020F0502020204030204" pitchFamily="34" charset="0"/>
-                <a:cs typeface="Times New Roman" panose="02020603050405020304" pitchFamily="18" charset="0"/>
-              </a:rPr>
-              <a:t>In our project we create a  web platform to collect solution to various problems in the Nation or society and highlighting it to the leaders of the nation to implement the solution to solve the problem.</a:t>
-            </a:r>
-            <a:endParaRPr lang="en-AE" sz="4400" b="1" dirty="0">
-              <a:solidFill>
-                <a:schemeClr val="accent1">
-                  <a:lumMod val="50000"/>
-                </a:schemeClr>
-              </a:solidFill>
-            </a:endParaRPr>
+              <a:rPr lang="en-US" dirty="0"/>
+              <a:t>Lack of awareness</a:t>
+            </a:r>
+          </a:p>
+          <a:p>
+            <a:pPr marL="571500" indent="-571500">
+              <a:buFont typeface="Wingdings" panose="05000000000000000000" pitchFamily="2" charset="2"/>
+              <a:buChar char="q"/>
+            </a:pPr>
+            <a:r>
+              <a:rPr lang="en-US" dirty="0"/>
+              <a:t>Lack of Trust</a:t>
+            </a:r>
+          </a:p>
+          <a:p>
+            <a:pPr marL="571500" indent="-571500">
+              <a:buFont typeface="Wingdings" panose="05000000000000000000" pitchFamily="2" charset="2"/>
+              <a:buChar char="q"/>
+            </a:pPr>
+            <a:r>
+              <a:rPr lang="en-US" dirty="0"/>
+              <a:t>Non user friendly</a:t>
+            </a:r>
+          </a:p>
+          <a:p>
+            <a:pPr marL="571500" indent="-571500">
+              <a:buFont typeface="Wingdings" panose="05000000000000000000" pitchFamily="2" charset="2"/>
+              <a:buChar char="q"/>
+            </a:pPr>
+            <a:r>
+              <a:rPr lang="en-US" dirty="0"/>
+              <a:t>Not effective</a:t>
+            </a:r>
+          </a:p>
+          <a:p>
+            <a:endParaRPr lang="en-US" dirty="0"/>
+          </a:p>
+          <a:p>
+            <a:endParaRPr lang="en-AE" dirty="0"/>
           </a:p>
         </p:txBody>
       </p:sp>
     </p:spTree>
     <p:extLst>
       <p:ext uri="{BB962C8B-B14F-4D97-AF65-F5344CB8AC3E}">
-        <p14:creationId xmlns:p14="http://schemas.microsoft.com/office/powerpoint/2010/main" val="2235638170"/>
+        <p14:creationId xmlns:p14="http://schemas.microsoft.com/office/powerpoint/2010/main" val="442101071"/>
       </p:ext>
     </p:extLst>
   </p:cSld>
@@ -6497,10 +7009,569 @@
       </p:grpSpPr>
       <p:sp>
         <p:nvSpPr>
+          <p:cNvPr id="6" name="Title 5">
+            <a:extLst>
+              <a:ext uri="{FF2B5EF4-FFF2-40B4-BE49-F238E27FC236}">
+                <a16:creationId xmlns:a16="http://schemas.microsoft.com/office/drawing/2014/main" id="{FC533FBC-EA7F-7A14-F378-D0FCF6BD28EC}"/>
+              </a:ext>
+            </a:extLst>
+          </p:cNvPr>
+          <p:cNvSpPr>
+            <a:spLocks noGrp="1"/>
+          </p:cNvSpPr>
+          <p:nvPr>
+            <p:ph type="title"/>
+          </p:nvPr>
+        </p:nvSpPr>
+        <p:spPr>
+          <a:xfrm>
+            <a:off x="347724" y="279991"/>
+            <a:ext cx="8596668" cy="1320800"/>
+          </a:xfrm>
+        </p:spPr>
+        <p:txBody>
+          <a:bodyPr/>
+          <a:lstStyle/>
+          <a:p>
+            <a:r>
+              <a:rPr lang="en-US" b="1" dirty="0">
+                <a:solidFill>
+                  <a:schemeClr val="accent1">
+                    <a:lumMod val="50000"/>
+                  </a:schemeClr>
+                </a:solidFill>
+              </a:rPr>
+              <a:t>Proposed Solution :</a:t>
+            </a:r>
+            <a:endParaRPr lang="en-AE" b="1" dirty="0">
+              <a:solidFill>
+                <a:schemeClr val="accent1">
+                  <a:lumMod val="50000"/>
+                </a:schemeClr>
+              </a:solidFill>
+            </a:endParaRPr>
+          </a:p>
+        </p:txBody>
+      </p:sp>
+      <p:sp>
+        <p:nvSpPr>
+          <p:cNvPr id="7" name="Title 1">
+            <a:extLst>
+              <a:ext uri="{FF2B5EF4-FFF2-40B4-BE49-F238E27FC236}">
+                <a16:creationId xmlns:a16="http://schemas.microsoft.com/office/drawing/2014/main" id="{D9D18272-2BB8-43EC-886D-C4322616A8D9}"/>
+              </a:ext>
+            </a:extLst>
+          </p:cNvPr>
+          <p:cNvSpPr txBox="1">
+            <a:spLocks/>
+          </p:cNvSpPr>
+          <p:nvPr/>
+        </p:nvSpPr>
+        <p:spPr>
+          <a:xfrm>
+            <a:off x="347724" y="1311348"/>
+            <a:ext cx="9391698" cy="5404884"/>
+          </a:xfrm>
+          <a:prstGeom prst="rect">
+            <a:avLst/>
+          </a:prstGeom>
+        </p:spPr>
+        <p:txBody>
+          <a:bodyPr vert="horz" lIns="91440" tIns="45720" rIns="91440" bIns="45720" rtlCol="0" anchor="t">
+            <a:normAutofit fontScale="97500" lnSpcReduction="10000"/>
+          </a:bodyPr>
+          <a:lstStyle>
+            <a:lvl1pPr algn="l" defTabSz="457200" rtl="0" eaLnBrk="1" latinLnBrk="0" hangingPunct="1">
+              <a:spcBef>
+                <a:spcPct val="0"/>
+              </a:spcBef>
+              <a:buNone/>
+              <a:defRPr sz="3600" kern="1200">
+                <a:solidFill>
+                  <a:schemeClr val="accent1"/>
+                </a:solidFill>
+                <a:latin typeface="+mj-lt"/>
+                <a:ea typeface="+mj-ea"/>
+                <a:cs typeface="+mj-cs"/>
+              </a:defRPr>
+            </a:lvl1pPr>
+            <a:lvl2pPr eaLnBrk="1" hangingPunct="1">
+              <a:defRPr>
+                <a:solidFill>
+                  <a:schemeClr val="tx2"/>
+                </a:solidFill>
+              </a:defRPr>
+            </a:lvl2pPr>
+            <a:lvl3pPr eaLnBrk="1" hangingPunct="1">
+              <a:defRPr>
+                <a:solidFill>
+                  <a:schemeClr val="tx2"/>
+                </a:solidFill>
+              </a:defRPr>
+            </a:lvl3pPr>
+            <a:lvl4pPr eaLnBrk="1" hangingPunct="1">
+              <a:defRPr>
+                <a:solidFill>
+                  <a:schemeClr val="tx2"/>
+                </a:solidFill>
+              </a:defRPr>
+            </a:lvl4pPr>
+            <a:lvl5pPr eaLnBrk="1" hangingPunct="1">
+              <a:defRPr>
+                <a:solidFill>
+                  <a:schemeClr val="tx2"/>
+                </a:solidFill>
+              </a:defRPr>
+            </a:lvl5pPr>
+            <a:lvl6pPr eaLnBrk="1" hangingPunct="1">
+              <a:defRPr>
+                <a:solidFill>
+                  <a:schemeClr val="tx2"/>
+                </a:solidFill>
+              </a:defRPr>
+            </a:lvl6pPr>
+            <a:lvl7pPr eaLnBrk="1" hangingPunct="1">
+              <a:defRPr>
+                <a:solidFill>
+                  <a:schemeClr val="tx2"/>
+                </a:solidFill>
+              </a:defRPr>
+            </a:lvl7pPr>
+            <a:lvl8pPr eaLnBrk="1" hangingPunct="1">
+              <a:defRPr>
+                <a:solidFill>
+                  <a:schemeClr val="tx2"/>
+                </a:solidFill>
+              </a:defRPr>
+            </a:lvl8pPr>
+            <a:lvl9pPr eaLnBrk="1" hangingPunct="1">
+              <a:defRPr>
+                <a:solidFill>
+                  <a:schemeClr val="tx2"/>
+                </a:solidFill>
+              </a:defRPr>
+            </a:lvl9pPr>
+          </a:lstStyle>
+          <a:p>
+            <a:pPr marL="571500" indent="-571500">
+              <a:buFont typeface="Wingdings" panose="05000000000000000000" pitchFamily="2" charset="2"/>
+              <a:buChar char="Ø"/>
+            </a:pPr>
+            <a:r>
+              <a:rPr lang="en-US" b="1" dirty="0">
+                <a:solidFill>
+                  <a:schemeClr val="accent1">
+                    <a:lumMod val="50000"/>
+                  </a:schemeClr>
+                </a:solidFill>
+                <a:latin typeface="Calibri" panose="020F0502020204030204" pitchFamily="34" charset="0"/>
+                <a:ea typeface="Calibri" panose="020F0502020204030204" pitchFamily="34" charset="0"/>
+                <a:cs typeface="Times New Roman" panose="02020603050405020304" pitchFamily="18" charset="0"/>
+              </a:rPr>
+              <a:t>A web platform that allows citizens to post problems and solutions.</a:t>
+            </a:r>
+          </a:p>
+          <a:p>
+            <a:pPr marL="571500" indent="-571500">
+              <a:buFont typeface="Wingdings" panose="05000000000000000000" pitchFamily="2" charset="2"/>
+              <a:buChar char="Ø"/>
+            </a:pPr>
+            <a:r>
+              <a:rPr lang="en-US" b="1" dirty="0">
+                <a:solidFill>
+                  <a:schemeClr val="accent1">
+                    <a:lumMod val="50000"/>
+                  </a:schemeClr>
+                </a:solidFill>
+                <a:latin typeface="Calibri" panose="020F0502020204030204" pitchFamily="34" charset="0"/>
+                <a:ea typeface="Calibri" panose="020F0502020204030204" pitchFamily="34" charset="0"/>
+                <a:cs typeface="Times New Roman" panose="02020603050405020304" pitchFamily="18" charset="0"/>
+              </a:rPr>
+              <a:t>Admins can post new schemes or problems in the society.</a:t>
+            </a:r>
+          </a:p>
+          <a:p>
+            <a:pPr marL="571500" indent="-571500">
+              <a:buFont typeface="Wingdings" panose="05000000000000000000" pitchFamily="2" charset="2"/>
+              <a:buChar char="Ø"/>
+            </a:pPr>
+            <a:r>
+              <a:rPr lang="en-US" b="1" dirty="0">
+                <a:solidFill>
+                  <a:schemeClr val="accent1">
+                    <a:lumMod val="50000"/>
+                  </a:schemeClr>
+                </a:solidFill>
+                <a:latin typeface="Calibri" panose="020F0502020204030204" pitchFamily="34" charset="0"/>
+                <a:ea typeface="Calibri" panose="020F0502020204030204" pitchFamily="34" charset="0"/>
+                <a:cs typeface="Times New Roman" panose="02020603050405020304" pitchFamily="18" charset="0"/>
+              </a:rPr>
+              <a:t>Users can provide feedback or solutions to the problems.</a:t>
+            </a:r>
+          </a:p>
+          <a:p>
+            <a:pPr marL="571500" indent="-571500">
+              <a:buFont typeface="Wingdings" panose="05000000000000000000" pitchFamily="2" charset="2"/>
+              <a:buChar char="Ø"/>
+            </a:pPr>
+            <a:r>
+              <a:rPr lang="en-US" b="1" dirty="0">
+                <a:solidFill>
+                  <a:schemeClr val="accent1">
+                    <a:lumMod val="50000"/>
+                  </a:schemeClr>
+                </a:solidFill>
+                <a:latin typeface="Calibri" panose="020F0502020204030204" pitchFamily="34" charset="0"/>
+                <a:ea typeface="Calibri" panose="020F0502020204030204" pitchFamily="34" charset="0"/>
+                <a:cs typeface="Times New Roman" panose="02020603050405020304" pitchFamily="18" charset="0"/>
+              </a:rPr>
+              <a:t>Data analysis is used to filter and clean the data.</a:t>
+            </a:r>
+          </a:p>
+          <a:p>
+            <a:pPr marL="571500" indent="-571500">
+              <a:buFont typeface="Wingdings" panose="05000000000000000000" pitchFamily="2" charset="2"/>
+              <a:buChar char="Ø"/>
+            </a:pPr>
+            <a:r>
+              <a:rPr lang="en-US" b="1" dirty="0">
+                <a:solidFill>
+                  <a:schemeClr val="accent1">
+                    <a:lumMod val="50000"/>
+                  </a:schemeClr>
+                </a:solidFill>
+                <a:latin typeface="Calibri" panose="020F0502020204030204" pitchFamily="34" charset="0"/>
+                <a:ea typeface="Calibri" panose="020F0502020204030204" pitchFamily="34" charset="0"/>
+                <a:cs typeface="Times New Roman" panose="02020603050405020304" pitchFamily="18" charset="0"/>
+              </a:rPr>
+              <a:t>Machine learning is used to generate solutions.</a:t>
+            </a:r>
+            <a:br>
+              <a:rPr lang="en-AE" b="1" dirty="0">
+                <a:solidFill>
+                  <a:schemeClr val="accent1">
+                    <a:lumMod val="50000"/>
+                  </a:schemeClr>
+                </a:solidFill>
+              </a:rPr>
+            </a:br>
+            <a:endParaRPr lang="en-AE" dirty="0"/>
+          </a:p>
+        </p:txBody>
+      </p:sp>
+    </p:spTree>
+    <p:extLst>
+      <p:ext uri="{BB962C8B-B14F-4D97-AF65-F5344CB8AC3E}">
+        <p14:creationId xmlns:p14="http://schemas.microsoft.com/office/powerpoint/2010/main" val="2235638170"/>
+      </p:ext>
+    </p:extLst>
+  </p:cSld>
+  <p:clrMapOvr>
+    <a:masterClrMapping/>
+  </p:clrMapOvr>
+</p:sld>
+</file>
+
+<file path=ppt/slides/slide7.xml><?xml version="1.0" encoding="utf-8"?>
+<p:sld xmlns:a="http://schemas.openxmlformats.org/drawingml/2006/main" xmlns:r="http://schemas.openxmlformats.org/officeDocument/2006/relationships" xmlns:p="http://schemas.openxmlformats.org/presentationml/2006/main">
+  <p:cSld>
+    <p:spTree>
+      <p:nvGrpSpPr>
+        <p:cNvPr id="1" name=""/>
+        <p:cNvGrpSpPr/>
+        <p:nvPr/>
+      </p:nvGrpSpPr>
+      <p:grpSpPr>
+        <a:xfrm>
+          <a:off x="0" y="0"/>
+          <a:ext cx="0" cy="0"/>
+          <a:chOff x="0" y="0"/>
+          <a:chExt cx="0" cy="0"/>
+        </a:xfrm>
+      </p:grpSpPr>
+      <p:sp>
+        <p:nvSpPr>
+          <p:cNvPr id="4" name="Title 3">
+            <a:extLst>
+              <a:ext uri="{FF2B5EF4-FFF2-40B4-BE49-F238E27FC236}">
+                <a16:creationId xmlns:a16="http://schemas.microsoft.com/office/drawing/2014/main" id="{419BE906-B567-4387-B88D-24B89211439B}"/>
+              </a:ext>
+            </a:extLst>
+          </p:cNvPr>
+          <p:cNvSpPr>
+            <a:spLocks noGrp="1"/>
+          </p:cNvSpPr>
+          <p:nvPr>
+            <p:ph type="title"/>
+          </p:nvPr>
+        </p:nvSpPr>
+        <p:spPr>
+          <a:xfrm>
+            <a:off x="677334" y="609600"/>
+            <a:ext cx="8596668" cy="825795"/>
+          </a:xfrm>
+        </p:spPr>
+        <p:txBody>
+          <a:bodyPr>
+            <a:normAutofit fontScale="90000"/>
+          </a:bodyPr>
+          <a:lstStyle/>
+          <a:p>
+            <a:r>
+              <a:rPr lang="en-US" dirty="0">
+                <a:solidFill>
+                  <a:schemeClr val="tx2">
+                    <a:lumMod val="50000"/>
+                  </a:schemeClr>
+                </a:solidFill>
+              </a:rPr>
+              <a:t>How our website will unique :</a:t>
+            </a:r>
+            <a:br>
+              <a:rPr lang="en-US" dirty="0"/>
+            </a:br>
+            <a:br>
+              <a:rPr lang="en-US" dirty="0"/>
+            </a:br>
+            <a:r>
+              <a:rPr lang="en-US" dirty="0"/>
+              <a:t>	</a:t>
+            </a:r>
+            <a:endParaRPr lang="en-AE" dirty="0"/>
+          </a:p>
+        </p:txBody>
+      </p:sp>
+      <p:sp>
+        <p:nvSpPr>
+          <p:cNvPr id="5" name="Title 3">
+            <a:extLst>
+              <a:ext uri="{FF2B5EF4-FFF2-40B4-BE49-F238E27FC236}">
+                <a16:creationId xmlns:a16="http://schemas.microsoft.com/office/drawing/2014/main" id="{49B55C2E-2304-44EC-9B82-A3B594080CC6}"/>
+              </a:ext>
+            </a:extLst>
+          </p:cNvPr>
+          <p:cNvSpPr txBox="1">
+            <a:spLocks/>
+          </p:cNvSpPr>
+          <p:nvPr/>
+        </p:nvSpPr>
+        <p:spPr>
+          <a:xfrm>
+            <a:off x="1212506" y="1850066"/>
+            <a:ext cx="8920322" cy="3934046"/>
+          </a:xfrm>
+          <a:prstGeom prst="rect">
+            <a:avLst/>
+          </a:prstGeom>
+        </p:spPr>
+        <p:txBody>
+          <a:bodyPr vert="horz" lIns="91440" tIns="45720" rIns="91440" bIns="45720" rtlCol="0" anchor="t">
+            <a:normAutofit fontScale="97500"/>
+          </a:bodyPr>
+          <a:lstStyle>
+            <a:lvl1pPr algn="l" defTabSz="457200" rtl="0" eaLnBrk="1" latinLnBrk="0" hangingPunct="1">
+              <a:spcBef>
+                <a:spcPct val="0"/>
+              </a:spcBef>
+              <a:buNone/>
+              <a:defRPr sz="3600" kern="1200">
+                <a:solidFill>
+                  <a:schemeClr val="accent1"/>
+                </a:solidFill>
+                <a:latin typeface="+mj-lt"/>
+                <a:ea typeface="+mj-ea"/>
+                <a:cs typeface="+mj-cs"/>
+              </a:defRPr>
+            </a:lvl1pPr>
+            <a:lvl2pPr eaLnBrk="1" hangingPunct="1">
+              <a:defRPr>
+                <a:solidFill>
+                  <a:schemeClr val="tx2"/>
+                </a:solidFill>
+              </a:defRPr>
+            </a:lvl2pPr>
+            <a:lvl3pPr eaLnBrk="1" hangingPunct="1">
+              <a:defRPr>
+                <a:solidFill>
+                  <a:schemeClr val="tx2"/>
+                </a:solidFill>
+              </a:defRPr>
+            </a:lvl3pPr>
+            <a:lvl4pPr eaLnBrk="1" hangingPunct="1">
+              <a:defRPr>
+                <a:solidFill>
+                  <a:schemeClr val="tx2"/>
+                </a:solidFill>
+              </a:defRPr>
+            </a:lvl4pPr>
+            <a:lvl5pPr eaLnBrk="1" hangingPunct="1">
+              <a:defRPr>
+                <a:solidFill>
+                  <a:schemeClr val="tx2"/>
+                </a:solidFill>
+              </a:defRPr>
+            </a:lvl5pPr>
+            <a:lvl6pPr eaLnBrk="1" hangingPunct="1">
+              <a:defRPr>
+                <a:solidFill>
+                  <a:schemeClr val="tx2"/>
+                </a:solidFill>
+              </a:defRPr>
+            </a:lvl6pPr>
+            <a:lvl7pPr eaLnBrk="1" hangingPunct="1">
+              <a:defRPr>
+                <a:solidFill>
+                  <a:schemeClr val="tx2"/>
+                </a:solidFill>
+              </a:defRPr>
+            </a:lvl7pPr>
+            <a:lvl8pPr eaLnBrk="1" hangingPunct="1">
+              <a:defRPr>
+                <a:solidFill>
+                  <a:schemeClr val="tx2"/>
+                </a:solidFill>
+              </a:defRPr>
+            </a:lvl8pPr>
+            <a:lvl9pPr eaLnBrk="1" hangingPunct="1">
+              <a:defRPr>
+                <a:solidFill>
+                  <a:schemeClr val="tx2"/>
+                </a:solidFill>
+              </a:defRPr>
+            </a:lvl9pPr>
+          </a:lstStyle>
+          <a:p>
+            <a:pPr marL="571500" indent="-571500">
+              <a:buFont typeface="Wingdings" panose="05000000000000000000" pitchFamily="2" charset="2"/>
+              <a:buChar char="Ø"/>
+            </a:pPr>
+            <a:r>
+              <a:rPr lang="en-US" i="0" dirty="0">
+                <a:solidFill>
+                  <a:schemeClr val="tx2">
+                    <a:lumMod val="50000"/>
+                  </a:schemeClr>
+                </a:solidFill>
+                <a:effectLst/>
+                <a:latin typeface="Söhne"/>
+              </a:rPr>
+              <a:t>User-Friendly Interface</a:t>
+            </a:r>
+            <a:endParaRPr lang="en-US" dirty="0">
+              <a:solidFill>
+                <a:schemeClr val="tx2">
+                  <a:lumMod val="50000"/>
+                </a:schemeClr>
+              </a:solidFill>
+            </a:endParaRPr>
+          </a:p>
+          <a:p>
+            <a:pPr marL="571500" indent="-571500">
+              <a:buFont typeface="Wingdings" panose="05000000000000000000" pitchFamily="2" charset="2"/>
+              <a:buChar char="Ø"/>
+            </a:pPr>
+            <a:r>
+              <a:rPr lang="en-US" b="0" i="0" dirty="0">
+                <a:solidFill>
+                  <a:schemeClr val="tx2">
+                    <a:lumMod val="50000"/>
+                  </a:schemeClr>
+                </a:solidFill>
+                <a:effectLst/>
+                <a:latin typeface="Söhne"/>
+              </a:rPr>
+              <a:t>Gamification</a:t>
+            </a:r>
+            <a:endParaRPr lang="en-US" dirty="0">
+              <a:solidFill>
+                <a:schemeClr val="tx2">
+                  <a:lumMod val="50000"/>
+                </a:schemeClr>
+              </a:solidFill>
+            </a:endParaRPr>
+          </a:p>
+          <a:p>
+            <a:pPr marL="571500" indent="-571500">
+              <a:buFont typeface="Wingdings" panose="05000000000000000000" pitchFamily="2" charset="2"/>
+              <a:buChar char="Ø"/>
+            </a:pPr>
+            <a:r>
+              <a:rPr lang="en-US" b="0" i="0" dirty="0">
+                <a:solidFill>
+                  <a:schemeClr val="tx2">
+                    <a:lumMod val="50000"/>
+                  </a:schemeClr>
+                </a:solidFill>
+                <a:effectLst/>
+                <a:latin typeface="Söhne"/>
+              </a:rPr>
+              <a:t>Data Privacy and Security</a:t>
+            </a:r>
+          </a:p>
+          <a:p>
+            <a:pPr marL="571500" indent="-571500">
+              <a:buFont typeface="Wingdings" panose="05000000000000000000" pitchFamily="2" charset="2"/>
+              <a:buChar char="Ø"/>
+            </a:pPr>
+            <a:r>
+              <a:rPr lang="en-US" b="0" i="0" dirty="0">
+                <a:solidFill>
+                  <a:schemeClr val="tx2">
+                    <a:lumMod val="50000"/>
+                  </a:schemeClr>
+                </a:solidFill>
+                <a:effectLst/>
+                <a:latin typeface="Söhne"/>
+              </a:rPr>
+              <a:t>Feedback Evaluation and Response</a:t>
+            </a:r>
+            <a:br>
+              <a:rPr lang="en-US" dirty="0"/>
+            </a:br>
+            <a:r>
+              <a:rPr lang="en-US" dirty="0"/>
+              <a:t>	</a:t>
+            </a:r>
+            <a:endParaRPr lang="en-AE" dirty="0"/>
+          </a:p>
+        </p:txBody>
+      </p:sp>
+    </p:spTree>
+    <p:extLst>
+      <p:ext uri="{BB962C8B-B14F-4D97-AF65-F5344CB8AC3E}">
+        <p14:creationId xmlns:p14="http://schemas.microsoft.com/office/powerpoint/2010/main" val="1518342211"/>
+      </p:ext>
+    </p:extLst>
+  </p:cSld>
+  <p:clrMapOvr>
+    <a:masterClrMapping/>
+  </p:clrMapOvr>
+</p:sld>
+</file>
+
+<file path=ppt/slides/slide8.xml><?xml version="1.0" encoding="utf-8"?>
+<p:sld xmlns:a="http://schemas.openxmlformats.org/drawingml/2006/main" xmlns:r="http://schemas.openxmlformats.org/officeDocument/2006/relationships" xmlns:p="http://schemas.openxmlformats.org/presentationml/2006/main">
+  <p:cSld>
+    <p:spTree>
+      <p:nvGrpSpPr>
+        <p:cNvPr id="1" name=""/>
+        <p:cNvGrpSpPr/>
+        <p:nvPr/>
+      </p:nvGrpSpPr>
+      <p:grpSpPr>
+        <a:xfrm>
+          <a:off x="0" y="0"/>
+          <a:ext cx="0" cy="0"/>
+          <a:chOff x="0" y="0"/>
+          <a:chExt cx="0" cy="0"/>
+        </a:xfrm>
+      </p:grpSpPr>
+      <p:sp>
+        <p:nvSpPr>
           <p:cNvPr id="2" name="Title 1">
             <a:extLst>
               <a:ext uri="{FF2B5EF4-FFF2-40B4-BE49-F238E27FC236}">
-                <a16:creationId xmlns:a16="http://schemas.microsoft.com/office/drawing/2014/main" id="{7DEC9893-6CEB-12BB-A87D-B8C7FF47AE1E}"/>
+                <a16:creationId xmlns:a16="http://schemas.microsoft.com/office/drawing/2014/main" id="{6F2EB097-E070-47AD-B643-FBA5B70F0012}"/>
               </a:ext>
             </a:extLst>
           </p:cNvPr>
@@ -6513,38 +7584,351 @@
         </p:nvSpPr>
         <p:spPr>
           <a:xfrm>
-            <a:off x="320946" y="1874874"/>
-            <a:ext cx="10720768" cy="5642344"/>
+            <a:off x="1017576" y="1978247"/>
+            <a:ext cx="8596668" cy="2819400"/>
           </a:xfrm>
         </p:spPr>
         <p:txBody>
           <a:bodyPr>
-            <a:normAutofit/>
+            <a:normAutofit fontScale="90000"/>
           </a:bodyPr>
           <a:lstStyle/>
           <a:p>
-            <a:r>
-              <a:rPr lang="en-US" sz="13800" dirty="0">
-                <a:solidFill>
-                  <a:srgbClr val="00B050"/>
-                </a:solidFill>
-                <a:latin typeface="Algerian" panose="04020705040A02060702" pitchFamily="82" charset="0"/>
-              </a:rPr>
-              <a:t>Thank You</a:t>
-            </a:r>
-            <a:endParaRPr lang="en-AE" sz="13800" dirty="0">
-              <a:solidFill>
-                <a:srgbClr val="00B050"/>
-              </a:solidFill>
-              <a:latin typeface="Algerian" panose="04020705040A02060702" pitchFamily="82" charset="0"/>
-            </a:endParaRPr>
+            <a:pPr algn="just"/>
+            <a:r>
+              <a:rPr lang="en-US" dirty="0"/>
+              <a:t>The government schemes become more effective for the peoples , unsolvable problems in India are solved and the understanding between the government and the people become increases</a:t>
+            </a:r>
+            <a:endParaRPr lang="en-AE" dirty="0"/>
+          </a:p>
+        </p:txBody>
+      </p:sp>
+      <p:sp>
+        <p:nvSpPr>
+          <p:cNvPr id="3" name="Title 1">
+            <a:extLst>
+              <a:ext uri="{FF2B5EF4-FFF2-40B4-BE49-F238E27FC236}">
+                <a16:creationId xmlns:a16="http://schemas.microsoft.com/office/drawing/2014/main" id="{FA530F17-6CFD-408F-80D8-63522F49360D}"/>
+              </a:ext>
+            </a:extLst>
+          </p:cNvPr>
+          <p:cNvSpPr txBox="1">
+            <a:spLocks/>
+          </p:cNvSpPr>
+          <p:nvPr/>
+        </p:nvSpPr>
+        <p:spPr>
+          <a:xfrm>
+            <a:off x="677334" y="609600"/>
+            <a:ext cx="8596668" cy="1320800"/>
+          </a:xfrm>
+          <a:prstGeom prst="rect">
+            <a:avLst/>
+          </a:prstGeom>
+        </p:spPr>
+        <p:txBody>
+          <a:bodyPr vert="horz" lIns="91440" tIns="45720" rIns="91440" bIns="45720" rtlCol="0" anchor="t">
+            <a:normAutofit fontScale="97500"/>
+          </a:bodyPr>
+          <a:lstStyle>
+            <a:lvl1pPr algn="l" defTabSz="457200" rtl="0" eaLnBrk="1" latinLnBrk="0" hangingPunct="1">
+              <a:spcBef>
+                <a:spcPct val="0"/>
+              </a:spcBef>
+              <a:buNone/>
+              <a:defRPr sz="3600" kern="1200">
+                <a:solidFill>
+                  <a:schemeClr val="accent1"/>
+                </a:solidFill>
+                <a:latin typeface="+mj-lt"/>
+                <a:ea typeface="+mj-ea"/>
+                <a:cs typeface="+mj-cs"/>
+              </a:defRPr>
+            </a:lvl1pPr>
+            <a:lvl2pPr eaLnBrk="1" hangingPunct="1">
+              <a:defRPr>
+                <a:solidFill>
+                  <a:schemeClr val="tx2"/>
+                </a:solidFill>
+              </a:defRPr>
+            </a:lvl2pPr>
+            <a:lvl3pPr eaLnBrk="1" hangingPunct="1">
+              <a:defRPr>
+                <a:solidFill>
+                  <a:schemeClr val="tx2"/>
+                </a:solidFill>
+              </a:defRPr>
+            </a:lvl3pPr>
+            <a:lvl4pPr eaLnBrk="1" hangingPunct="1">
+              <a:defRPr>
+                <a:solidFill>
+                  <a:schemeClr val="tx2"/>
+                </a:solidFill>
+              </a:defRPr>
+            </a:lvl4pPr>
+            <a:lvl5pPr eaLnBrk="1" hangingPunct="1">
+              <a:defRPr>
+                <a:solidFill>
+                  <a:schemeClr val="tx2"/>
+                </a:solidFill>
+              </a:defRPr>
+            </a:lvl5pPr>
+            <a:lvl6pPr eaLnBrk="1" hangingPunct="1">
+              <a:defRPr>
+                <a:solidFill>
+                  <a:schemeClr val="tx2"/>
+                </a:solidFill>
+              </a:defRPr>
+            </a:lvl6pPr>
+            <a:lvl7pPr eaLnBrk="1" hangingPunct="1">
+              <a:defRPr>
+                <a:solidFill>
+                  <a:schemeClr val="tx2"/>
+                </a:solidFill>
+              </a:defRPr>
+            </a:lvl7pPr>
+            <a:lvl8pPr eaLnBrk="1" hangingPunct="1">
+              <a:defRPr>
+                <a:solidFill>
+                  <a:schemeClr val="tx2"/>
+                </a:solidFill>
+              </a:defRPr>
+            </a:lvl8pPr>
+            <a:lvl9pPr eaLnBrk="1" hangingPunct="1">
+              <a:defRPr>
+                <a:solidFill>
+                  <a:schemeClr val="tx2"/>
+                </a:solidFill>
+              </a:defRPr>
+            </a:lvl9pPr>
+          </a:lstStyle>
+          <a:p>
+            <a:r>
+              <a:rPr lang="en-US" dirty="0"/>
+              <a:t>Impact :</a:t>
+            </a:r>
+            <a:endParaRPr lang="en-AE" dirty="0"/>
           </a:p>
         </p:txBody>
       </p:sp>
     </p:spTree>
     <p:extLst>
       <p:ext uri="{BB962C8B-B14F-4D97-AF65-F5344CB8AC3E}">
-        <p14:creationId xmlns:p14="http://schemas.microsoft.com/office/powerpoint/2010/main" val="2796542405"/>
+        <p14:creationId xmlns:p14="http://schemas.microsoft.com/office/powerpoint/2010/main" val="884281471"/>
+      </p:ext>
+    </p:extLst>
+  </p:cSld>
+  <p:clrMapOvr>
+    <a:masterClrMapping/>
+  </p:clrMapOvr>
+</p:sld>
+</file>
+
+<file path=ppt/slides/slide9.xml><?xml version="1.0" encoding="utf-8"?>
+<p:sld xmlns:a="http://schemas.openxmlformats.org/drawingml/2006/main" xmlns:r="http://schemas.openxmlformats.org/officeDocument/2006/relationships" xmlns:p="http://schemas.openxmlformats.org/presentationml/2006/main">
+  <p:cSld>
+    <p:spTree>
+      <p:nvGrpSpPr>
+        <p:cNvPr id="1" name=""/>
+        <p:cNvGrpSpPr/>
+        <p:nvPr/>
+      </p:nvGrpSpPr>
+      <p:grpSpPr>
+        <a:xfrm>
+          <a:off x="0" y="0"/>
+          <a:ext cx="0" cy="0"/>
+          <a:chOff x="0" y="0"/>
+          <a:chExt cx="0" cy="0"/>
+        </a:xfrm>
+      </p:grpSpPr>
+      <p:sp>
+        <p:nvSpPr>
+          <p:cNvPr id="2" name="Title 1">
+            <a:extLst>
+              <a:ext uri="{FF2B5EF4-FFF2-40B4-BE49-F238E27FC236}">
+                <a16:creationId xmlns:a16="http://schemas.microsoft.com/office/drawing/2014/main" id="{6AE9A75A-9064-47B1-AEDF-E9A98001E414}"/>
+              </a:ext>
+            </a:extLst>
+          </p:cNvPr>
+          <p:cNvSpPr>
+            <a:spLocks noGrp="1"/>
+          </p:cNvSpPr>
+          <p:nvPr>
+            <p:ph type="title"/>
+          </p:nvPr>
+        </p:nvSpPr>
+        <p:spPr/>
+        <p:txBody>
+          <a:bodyPr/>
+          <a:lstStyle/>
+          <a:p>
+            <a:r>
+              <a:rPr lang="en-US" dirty="0"/>
+              <a:t>Technologies used :</a:t>
+            </a:r>
+            <a:endParaRPr lang="en-AE" dirty="0"/>
+          </a:p>
+        </p:txBody>
+      </p:sp>
+      <p:sp>
+        <p:nvSpPr>
+          <p:cNvPr id="3" name="Title 1">
+            <a:extLst>
+              <a:ext uri="{FF2B5EF4-FFF2-40B4-BE49-F238E27FC236}">
+                <a16:creationId xmlns:a16="http://schemas.microsoft.com/office/drawing/2014/main" id="{2674B08A-22DD-43D7-8328-EA723473BCBD}"/>
+              </a:ext>
+            </a:extLst>
+          </p:cNvPr>
+          <p:cNvSpPr txBox="1">
+            <a:spLocks/>
+          </p:cNvSpPr>
+          <p:nvPr/>
+        </p:nvSpPr>
+        <p:spPr>
+          <a:xfrm>
+            <a:off x="1201874" y="1644501"/>
+            <a:ext cx="8596668" cy="3172047"/>
+          </a:xfrm>
+          <a:prstGeom prst="rect">
+            <a:avLst/>
+          </a:prstGeom>
+        </p:spPr>
+        <p:txBody>
+          <a:bodyPr vert="horz" lIns="91440" tIns="45720" rIns="91440" bIns="45720" rtlCol="0" anchor="t">
+            <a:normAutofit/>
+          </a:bodyPr>
+          <a:lstStyle>
+            <a:lvl1pPr algn="l" defTabSz="457200" rtl="0" eaLnBrk="1" latinLnBrk="0" hangingPunct="1">
+              <a:spcBef>
+                <a:spcPct val="0"/>
+              </a:spcBef>
+              <a:buNone/>
+              <a:defRPr sz="3600" kern="1200">
+                <a:solidFill>
+                  <a:schemeClr val="accent1"/>
+                </a:solidFill>
+                <a:latin typeface="+mj-lt"/>
+                <a:ea typeface="+mj-ea"/>
+                <a:cs typeface="+mj-cs"/>
+              </a:defRPr>
+            </a:lvl1pPr>
+            <a:lvl2pPr eaLnBrk="1" hangingPunct="1">
+              <a:defRPr>
+                <a:solidFill>
+                  <a:schemeClr val="tx2"/>
+                </a:solidFill>
+              </a:defRPr>
+            </a:lvl2pPr>
+            <a:lvl3pPr eaLnBrk="1" hangingPunct="1">
+              <a:defRPr>
+                <a:solidFill>
+                  <a:schemeClr val="tx2"/>
+                </a:solidFill>
+              </a:defRPr>
+            </a:lvl3pPr>
+            <a:lvl4pPr eaLnBrk="1" hangingPunct="1">
+              <a:defRPr>
+                <a:solidFill>
+                  <a:schemeClr val="tx2"/>
+                </a:solidFill>
+              </a:defRPr>
+            </a:lvl4pPr>
+            <a:lvl5pPr eaLnBrk="1" hangingPunct="1">
+              <a:defRPr>
+                <a:solidFill>
+                  <a:schemeClr val="tx2"/>
+                </a:solidFill>
+              </a:defRPr>
+            </a:lvl5pPr>
+            <a:lvl6pPr eaLnBrk="1" hangingPunct="1">
+              <a:defRPr>
+                <a:solidFill>
+                  <a:schemeClr val="tx2"/>
+                </a:solidFill>
+              </a:defRPr>
+            </a:lvl6pPr>
+            <a:lvl7pPr eaLnBrk="1" hangingPunct="1">
+              <a:defRPr>
+                <a:solidFill>
+                  <a:schemeClr val="tx2"/>
+                </a:solidFill>
+              </a:defRPr>
+            </a:lvl7pPr>
+            <a:lvl8pPr eaLnBrk="1" hangingPunct="1">
+              <a:defRPr>
+                <a:solidFill>
+                  <a:schemeClr val="tx2"/>
+                </a:solidFill>
+              </a:defRPr>
+            </a:lvl8pPr>
+            <a:lvl9pPr eaLnBrk="1" hangingPunct="1">
+              <a:defRPr>
+                <a:solidFill>
+                  <a:schemeClr val="tx2"/>
+                </a:solidFill>
+              </a:defRPr>
+            </a:lvl9pPr>
+          </a:lstStyle>
+          <a:p>
+            <a:r>
+              <a:rPr lang="en-US" dirty="0" err="1"/>
+              <a:t>HTML,CSS,Bootstrap,JS</a:t>
+            </a:r>
+            <a:r>
+              <a:rPr lang="en-US" dirty="0"/>
+              <a:t> (Frontend)</a:t>
+            </a:r>
+          </a:p>
+          <a:p>
+            <a:r>
+              <a:rPr lang="en-AE" dirty="0"/>
+              <a:t>Django(Backend)</a:t>
+            </a:r>
+          </a:p>
+          <a:p>
+            <a:r>
+              <a:rPr lang="en-AE" dirty="0"/>
+              <a:t>Dbsqlite3 (database)</a:t>
+            </a:r>
+          </a:p>
+          <a:p>
+            <a:r>
+              <a:rPr lang="en-AE" dirty="0"/>
+              <a:t>Git(version control)</a:t>
+            </a:r>
+          </a:p>
+          <a:p>
+            <a:r>
+              <a:rPr lang="en-AE" dirty="0" err="1"/>
+              <a:t>Github</a:t>
+            </a:r>
+            <a:r>
+              <a:rPr lang="en-AE" dirty="0"/>
+              <a:t>(</a:t>
+            </a:r>
+            <a:r>
+              <a:rPr lang="en-AE" dirty="0" err="1"/>
+              <a:t>coll</a:t>
+            </a:r>
+            <a:r>
+              <a:rPr lang="en-US" dirty="0"/>
+              <a:t>a</a:t>
+            </a:r>
+            <a:r>
+              <a:rPr lang="en-AE" dirty="0" err="1"/>
+              <a:t>boration</a:t>
+            </a:r>
+            <a:r>
+              <a:rPr lang="en-AE" dirty="0"/>
+              <a:t> Tool)</a:t>
+            </a:r>
+          </a:p>
+        </p:txBody>
+      </p:sp>
+    </p:spTree>
+    <p:extLst>
+      <p:ext uri="{BB962C8B-B14F-4D97-AF65-F5344CB8AC3E}">
+        <p14:creationId xmlns:p14="http://schemas.microsoft.com/office/powerpoint/2010/main" val="3376001979"/>
       </p:ext>
     </p:extLst>
   </p:cSld>
